--- a/_posts/ithome/2021/15.XGBoost/15.XGBoost.pptx
+++ b/_posts/ithome/2021/15.XGBoost/15.XGBoost.pptx
@@ -6,9 +6,10 @@
   </p:sldMasterIdLst>
   <p:sldIdLst>
     <p:sldId id="256" r:id="rId2"/>
-    <p:sldId id="257" r:id="rId3"/>
-    <p:sldId id="258" r:id="rId4"/>
-    <p:sldId id="259" r:id="rId5"/>
+    <p:sldId id="260" r:id="rId3"/>
+    <p:sldId id="257" r:id="rId4"/>
+    <p:sldId id="258" r:id="rId5"/>
+    <p:sldId id="259" r:id="rId6"/>
   </p:sldIdLst>
   <p:sldSz cx="12192000" cy="6858000"/>
   <p:notesSz cx="6858000" cy="9144000"/>
@@ -264,7 +265,7 @@
           <a:p>
             <a:fld id="{8527B703-6B72-374F-BE89-FF42FD909B49}" type="datetimeFigureOut">
               <a:rPr lang="en-TW" smtClean="0"/>
-              <a:t>2021/9/17</a:t>
+              <a:t>2021/9/27</a:t>
             </a:fld>
             <a:endParaRPr lang="en-TW"/>
           </a:p>
@@ -464,7 +465,7 @@
           <a:p>
             <a:fld id="{8527B703-6B72-374F-BE89-FF42FD909B49}" type="datetimeFigureOut">
               <a:rPr lang="en-TW" smtClean="0"/>
-              <a:t>2021/9/17</a:t>
+              <a:t>2021/9/27</a:t>
             </a:fld>
             <a:endParaRPr lang="en-TW"/>
           </a:p>
@@ -674,7 +675,7 @@
           <a:p>
             <a:fld id="{8527B703-6B72-374F-BE89-FF42FD909B49}" type="datetimeFigureOut">
               <a:rPr lang="en-TW" smtClean="0"/>
-              <a:t>2021/9/17</a:t>
+              <a:t>2021/9/27</a:t>
             </a:fld>
             <a:endParaRPr lang="en-TW"/>
           </a:p>
@@ -874,7 +875,7 @@
           <a:p>
             <a:fld id="{8527B703-6B72-374F-BE89-FF42FD909B49}" type="datetimeFigureOut">
               <a:rPr lang="en-TW" smtClean="0"/>
-              <a:t>2021/9/17</a:t>
+              <a:t>2021/9/27</a:t>
             </a:fld>
             <a:endParaRPr lang="en-TW"/>
           </a:p>
@@ -1150,7 +1151,7 @@
           <a:p>
             <a:fld id="{8527B703-6B72-374F-BE89-FF42FD909B49}" type="datetimeFigureOut">
               <a:rPr lang="en-TW" smtClean="0"/>
-              <a:t>2021/9/17</a:t>
+              <a:t>2021/9/27</a:t>
             </a:fld>
             <a:endParaRPr lang="en-TW"/>
           </a:p>
@@ -1418,7 +1419,7 @@
           <a:p>
             <a:fld id="{8527B703-6B72-374F-BE89-FF42FD909B49}" type="datetimeFigureOut">
               <a:rPr lang="en-TW" smtClean="0"/>
-              <a:t>2021/9/17</a:t>
+              <a:t>2021/9/27</a:t>
             </a:fld>
             <a:endParaRPr lang="en-TW"/>
           </a:p>
@@ -1833,7 +1834,7 @@
           <a:p>
             <a:fld id="{8527B703-6B72-374F-BE89-FF42FD909B49}" type="datetimeFigureOut">
               <a:rPr lang="en-TW" smtClean="0"/>
-              <a:t>2021/9/17</a:t>
+              <a:t>2021/9/27</a:t>
             </a:fld>
             <a:endParaRPr lang="en-TW"/>
           </a:p>
@@ -1975,7 +1976,7 @@
           <a:p>
             <a:fld id="{8527B703-6B72-374F-BE89-FF42FD909B49}" type="datetimeFigureOut">
               <a:rPr lang="en-TW" smtClean="0"/>
-              <a:t>2021/9/17</a:t>
+              <a:t>2021/9/27</a:t>
             </a:fld>
             <a:endParaRPr lang="en-TW"/>
           </a:p>
@@ -2088,7 +2089,7 @@
           <a:p>
             <a:fld id="{8527B703-6B72-374F-BE89-FF42FD909B49}" type="datetimeFigureOut">
               <a:rPr lang="en-TW" smtClean="0"/>
-              <a:t>2021/9/17</a:t>
+              <a:t>2021/9/27</a:t>
             </a:fld>
             <a:endParaRPr lang="en-TW"/>
           </a:p>
@@ -2401,7 +2402,7 @@
           <a:p>
             <a:fld id="{8527B703-6B72-374F-BE89-FF42FD909B49}" type="datetimeFigureOut">
               <a:rPr lang="en-TW" smtClean="0"/>
-              <a:t>2021/9/17</a:t>
+              <a:t>2021/9/27</a:t>
             </a:fld>
             <a:endParaRPr lang="en-TW"/>
           </a:p>
@@ -2690,7 +2691,7 @@
           <a:p>
             <a:fld id="{8527B703-6B72-374F-BE89-FF42FD909B49}" type="datetimeFigureOut">
               <a:rPr lang="en-TW" smtClean="0"/>
-              <a:t>2021/9/17</a:t>
+              <a:t>2021/9/27</a:t>
             </a:fld>
             <a:endParaRPr lang="en-TW"/>
           </a:p>
@@ -2933,7 +2934,7 @@
           <a:p>
             <a:fld id="{8527B703-6B72-374F-BE89-FF42FD909B49}" type="datetimeFigureOut">
               <a:rPr lang="en-TW" smtClean="0"/>
-              <a:t>2021/9/17</a:t>
+              <a:t>2021/9/27</a:t>
             </a:fld>
             <a:endParaRPr lang="en-TW"/>
           </a:p>
@@ -3372,7 +3373,7 @@
         </p:blipFill>
         <p:spPr>
           <a:xfrm>
-            <a:off x="4450588" y="3015601"/>
+            <a:off x="4518684" y="3015601"/>
             <a:ext cx="3290824" cy="2170543"/>
           </a:xfrm>
           <a:prstGeom prst="rect">
@@ -3402,7 +3403,7 @@
         </p:blipFill>
         <p:spPr>
           <a:xfrm>
-            <a:off x="8285706" y="2989649"/>
+            <a:off x="8353802" y="2989649"/>
             <a:ext cx="3290824" cy="2135535"/>
           </a:xfrm>
           <a:prstGeom prst="rect">
@@ -3432,7 +3433,7 @@
         </p:blipFill>
         <p:spPr>
           <a:xfrm>
-            <a:off x="506193" y="3001840"/>
+            <a:off x="574289" y="3001840"/>
             <a:ext cx="3300373" cy="2135536"/>
           </a:xfrm>
           <a:prstGeom prst="rect">
@@ -3454,7 +3455,7 @@
         </p:nvSpPr>
         <p:spPr>
           <a:xfrm>
-            <a:off x="1589451" y="5277584"/>
+            <a:off x="1657547" y="5277584"/>
             <a:ext cx="1133856" cy="353568"/>
           </a:xfrm>
           <a:prstGeom prst="roundRect">
@@ -3539,7 +3540,7 @@
         </p:nvSpPr>
         <p:spPr>
           <a:xfrm>
-            <a:off x="4984922" y="5294450"/>
+            <a:off x="5053018" y="5294450"/>
             <a:ext cx="2421944" cy="353568"/>
           </a:xfrm>
           <a:prstGeom prst="roundRect">
@@ -3641,7 +3642,7 @@
         </p:nvSpPr>
         <p:spPr>
           <a:xfrm>
-            <a:off x="8817682" y="5294450"/>
+            <a:off x="8885778" y="5294450"/>
             <a:ext cx="2515008" cy="353568"/>
           </a:xfrm>
           <a:prstGeom prst="roundRect">
@@ -3729,6 +3730,547 @@
           </a:p>
         </p:txBody>
       </p:sp>
+      <p:grpSp>
+        <p:nvGrpSpPr>
+          <p:cNvPr id="8" name="Group 7">
+            <a:extLst>
+              <a:ext uri="{FF2B5EF4-FFF2-40B4-BE49-F238E27FC236}">
+                <a16:creationId xmlns:a16="http://schemas.microsoft.com/office/drawing/2014/main" id="{228DF260-03E5-0148-A4A4-EDCB0331DF44}"/>
+              </a:ext>
+            </a:extLst>
+          </p:cNvPr>
+          <p:cNvGrpSpPr>
+            <a:grpSpLocks noChangeAspect="1"/>
+          </p:cNvGrpSpPr>
+          <p:nvPr/>
+        </p:nvGrpSpPr>
+        <p:grpSpPr>
+          <a:xfrm>
+            <a:off x="1441529" y="5186144"/>
+            <a:ext cx="9445134" cy="1721404"/>
+            <a:chOff x="3360126" y="3971848"/>
+            <a:chExt cx="5764444" cy="1050587"/>
+          </a:xfrm>
+        </p:grpSpPr>
+        <p:grpSp>
+          <p:nvGrpSpPr>
+            <p:cNvPr id="9" name="Group 8">
+              <a:extLst>
+                <a:ext uri="{FF2B5EF4-FFF2-40B4-BE49-F238E27FC236}">
+                  <a16:creationId xmlns:a16="http://schemas.microsoft.com/office/drawing/2014/main" id="{26AF7CA5-1580-DC41-B361-57909B979A56}"/>
+                </a:ext>
+              </a:extLst>
+            </p:cNvPr>
+            <p:cNvGrpSpPr/>
+            <p:nvPr/>
+          </p:nvGrpSpPr>
+          <p:grpSpPr>
+            <a:xfrm>
+              <a:off x="3360126" y="4370288"/>
+              <a:ext cx="2735874" cy="238320"/>
+              <a:chOff x="7237110" y="4319211"/>
+              <a:chExt cx="2735874" cy="238320"/>
+            </a:xfrm>
+          </p:grpSpPr>
+          <p:sp>
+            <p:nvSpPr>
+              <p:cNvPr id="14" name="Intelligent Information Retrieval Laboratory">
+                <a:extLst>
+                  <a:ext uri="{FF2B5EF4-FFF2-40B4-BE49-F238E27FC236}">
+                    <a16:creationId xmlns:a16="http://schemas.microsoft.com/office/drawing/2014/main" id="{0C93E38F-6C61-644E-A274-5F510EF57BB1}"/>
+                  </a:ext>
+                </a:extLst>
+              </p:cNvPr>
+              <p:cNvSpPr txBox="1"/>
+              <p:nvPr/>
+            </p:nvSpPr>
+            <p:spPr>
+              <a:xfrm>
+                <a:off x="7237110" y="4319211"/>
+                <a:ext cx="2590800" cy="238320"/>
+              </a:xfrm>
+              <a:prstGeom prst="rect">
+                <a:avLst/>
+              </a:prstGeom>
+              <a:noFill/>
+              <a:ln w="12700" cap="flat">
+                <a:noFill/>
+                <a:miter lim="400000"/>
+              </a:ln>
+              <a:effectLst/>
+              <a:extLst>
+                <a:ext uri="{C572A759-6A51-4108-AA02-DFA0A04FC94B}">
+                  <ma14:wrappingTextBoxFlag xmlns="" xmlns:m="http://schemas.openxmlformats.org/officeDocument/2006/math" xmlns:a14="http://schemas.microsoft.com/office/drawing/2010/main" xmlns:ma14="http://schemas.microsoft.com/office/mac/drawingml/2011/main" val="1"/>
+                </a:ext>
+              </a:extLst>
+            </p:spPr>
+            <p:txBody>
+              <a:bodyPr wrap="square" lIns="71437" tIns="71437" rIns="71437" bIns="71437" numCol="1" anchor="ctr">
+                <a:spAutoFit/>
+              </a:bodyPr>
+              <a:lstStyle>
+                <a:lvl1pPr algn="l" defTabSz="821531">
+                  <a:defRPr sz="2400" b="0">
+                    <a:solidFill>
+                      <a:srgbClr val="FFFFFF"/>
+                    </a:solidFill>
+                    <a:latin typeface="Helvetica Neue Bold Condensed"/>
+                    <a:ea typeface="Helvetica Neue Bold Condensed"/>
+                    <a:cs typeface="Helvetica Neue Bold Condensed"/>
+                    <a:sym typeface="Helvetica Neue Bold Condensed"/>
+                  </a:defRPr>
+                </a:lvl1pPr>
+              </a:lstStyle>
+              <a:p>
+                <a:r>
+                  <a:rPr kumimoji="0" lang="zh-TW" altLang="en-US" sz="1200" b="0" i="0" u="none" strike="noStrike" cap="none" spc="0" normalizeH="0" baseline="0" dirty="0">
+                    <a:ln>
+                      <a:noFill/>
+                    </a:ln>
+                    <a:solidFill>
+                      <a:schemeClr val="tx1">
+                        <a:alpha val="15000"/>
+                      </a:schemeClr>
+                    </a:solidFill>
+                    <a:effectLst/>
+                    <a:uFillTx/>
+                    <a:latin typeface="Helvetica Neue Bold Condensed"/>
+                    <a:ea typeface="Helvetica Neue Bold Condensed"/>
+                    <a:cs typeface="Helvetica Neue Bold Condensed"/>
+                    <a:sym typeface="Helvetica Neue Bold Condensed"/>
+                  </a:rPr>
+                  <a:t>第</a:t>
+                </a:r>
+                <a:r>
+                  <a:rPr kumimoji="0" lang="en-US" altLang="zh-TW" sz="1200" b="0" i="0" u="none" strike="noStrike" cap="none" spc="0" normalizeH="0" baseline="0" dirty="0">
+                    <a:ln>
+                      <a:noFill/>
+                    </a:ln>
+                    <a:solidFill>
+                      <a:schemeClr val="tx1">
+                        <a:alpha val="15000"/>
+                      </a:schemeClr>
+                    </a:solidFill>
+                    <a:effectLst/>
+                    <a:uFillTx/>
+                    <a:latin typeface="Helvetica Neue Bold Condensed"/>
+                    <a:ea typeface="Helvetica Neue Bold Condensed"/>
+                    <a:cs typeface="Helvetica Neue Bold Condensed"/>
+                    <a:sym typeface="Helvetica Neue Bold Condensed"/>
+                  </a:rPr>
+                  <a:t>13</a:t>
+                </a:r>
+                <a:r>
+                  <a:rPr kumimoji="0" lang="zh-TW" altLang="en-US" sz="1200" b="0" i="0" u="none" strike="noStrike" cap="none" spc="0" normalizeH="0" baseline="0" dirty="0">
+                    <a:ln>
+                      <a:noFill/>
+                    </a:ln>
+                    <a:solidFill>
+                      <a:schemeClr val="tx1">
+                        <a:alpha val="15000"/>
+                      </a:schemeClr>
+                    </a:solidFill>
+                    <a:effectLst/>
+                    <a:uFillTx/>
+                    <a:latin typeface="Helvetica Neue Bold Condensed"/>
+                    <a:ea typeface="Helvetica Neue Bold Condensed"/>
+                    <a:cs typeface="Helvetica Neue Bold Condensed"/>
+                    <a:sym typeface="Helvetica Neue Bold Condensed"/>
+                  </a:rPr>
+                  <a:t>屆 </a:t>
+                </a:r>
+                <a:r>
+                  <a:rPr kumimoji="0" lang="en-US" sz="1600" b="0" i="0" u="none" strike="noStrike" cap="none" spc="0" normalizeH="0" baseline="0" dirty="0">
+                    <a:ln>
+                      <a:noFill/>
+                    </a:ln>
+                    <a:solidFill>
+                      <a:schemeClr val="tx1">
+                        <a:alpha val="15000"/>
+                      </a:schemeClr>
+                    </a:solidFill>
+                    <a:effectLst/>
+                    <a:uFillTx/>
+                    <a:latin typeface="Helvetica Neue Bold Condensed"/>
+                    <a:ea typeface="Helvetica Neue Bold Condensed"/>
+                    <a:cs typeface="Helvetica Neue Bold Condensed"/>
+                    <a:sym typeface="Helvetica Neue Bold Condensed"/>
+                  </a:rPr>
+                  <a:t>iT</a:t>
+                </a:r>
+                <a:r>
+                  <a:rPr kumimoji="0" lang="zh-TW" altLang="en-US" sz="1400" b="0" i="0" u="none" strike="noStrike" cap="none" spc="0" normalizeH="0" baseline="0" dirty="0">
+                    <a:ln>
+                      <a:noFill/>
+                    </a:ln>
+                    <a:solidFill>
+                      <a:schemeClr val="tx1">
+                        <a:alpha val="15000"/>
+                      </a:schemeClr>
+                    </a:solidFill>
+                    <a:effectLst/>
+                    <a:uFillTx/>
+                    <a:latin typeface="Helvetica Neue Bold Condensed"/>
+                    <a:ea typeface="Helvetica Neue Bold Condensed"/>
+                    <a:cs typeface="Helvetica Neue Bold Condensed"/>
+                    <a:sym typeface="Helvetica Neue Bold Condensed"/>
+                  </a:rPr>
+                  <a:t>邦</a:t>
+                </a:r>
+                <a:r>
+                  <a:rPr kumimoji="0" lang="zh-TW" altLang="en-US" sz="1100" b="0" i="0" u="none" strike="noStrike" cap="none" spc="0" normalizeH="0" baseline="0" dirty="0">
+                    <a:ln>
+                      <a:noFill/>
+                    </a:ln>
+                    <a:solidFill>
+                      <a:schemeClr val="tx1">
+                        <a:alpha val="15000"/>
+                      </a:schemeClr>
+                    </a:solidFill>
+                    <a:effectLst/>
+                    <a:uFillTx/>
+                    <a:latin typeface="Helvetica Neue Bold Condensed"/>
+                    <a:ea typeface="Helvetica Neue Bold Condensed"/>
+                    <a:cs typeface="Helvetica Neue Bold Condensed"/>
+                    <a:sym typeface="Helvetica Neue Bold Condensed"/>
+                  </a:rPr>
+                  <a:t>幫忙</a:t>
+                </a:r>
+                <a:r>
+                  <a:rPr kumimoji="0" lang="zh-TW" altLang="en-US" sz="1400" b="0" i="0" u="none" strike="noStrike" cap="none" spc="0" normalizeH="0" baseline="0" dirty="0">
+                    <a:ln>
+                      <a:noFill/>
+                    </a:ln>
+                    <a:solidFill>
+                      <a:schemeClr val="tx1">
+                        <a:alpha val="15000"/>
+                      </a:schemeClr>
+                    </a:solidFill>
+                    <a:effectLst/>
+                    <a:uFillTx/>
+                    <a:sym typeface="Helvetica Neue Bold Condensed"/>
+                  </a:rPr>
+                  <a:t> 鐵人賽</a:t>
+                </a:r>
+                <a:endParaRPr sz="1400" dirty="0">
+                  <a:solidFill>
+                    <a:schemeClr val="tx1">
+                      <a:alpha val="15000"/>
+                    </a:schemeClr>
+                  </a:solidFill>
+                </a:endParaRPr>
+              </a:p>
+            </p:txBody>
+          </p:sp>
+          <p:sp>
+            <p:nvSpPr>
+              <p:cNvPr id="15" name="Intelligent Information Retrieval Laboratory">
+                <a:extLst>
+                  <a:ext uri="{FF2B5EF4-FFF2-40B4-BE49-F238E27FC236}">
+                    <a16:creationId xmlns:a16="http://schemas.microsoft.com/office/drawing/2014/main" id="{C8CAEC0D-CF54-C347-BC6F-E2B418071836}"/>
+                  </a:ext>
+                </a:extLst>
+              </p:cNvPr>
+              <p:cNvSpPr txBox="1"/>
+              <p:nvPr/>
+            </p:nvSpPr>
+            <p:spPr>
+              <a:xfrm>
+                <a:off x="8753784" y="4345689"/>
+                <a:ext cx="1219200" cy="200752"/>
+              </a:xfrm>
+              <a:prstGeom prst="rect">
+                <a:avLst/>
+              </a:prstGeom>
+              <a:noFill/>
+              <a:ln w="12700" cap="flat">
+                <a:noFill/>
+                <a:miter lim="400000"/>
+              </a:ln>
+              <a:effectLst/>
+              <a:extLst>
+                <a:ext uri="{C572A759-6A51-4108-AA02-DFA0A04FC94B}">
+                  <ma14:wrappingTextBoxFlag xmlns="" xmlns:m="http://schemas.openxmlformats.org/officeDocument/2006/math" xmlns:a14="http://schemas.microsoft.com/office/drawing/2010/main" xmlns:ma14="http://schemas.microsoft.com/office/mac/drawingml/2011/main" val="1"/>
+                </a:ext>
+              </a:extLst>
+            </p:spPr>
+            <p:txBody>
+              <a:bodyPr wrap="square" lIns="71437" tIns="71437" rIns="71437" bIns="71437" numCol="1" anchor="ctr">
+                <a:spAutoFit/>
+              </a:bodyPr>
+              <a:lstStyle>
+                <a:lvl1pPr algn="l" defTabSz="821531">
+                  <a:defRPr sz="2400" b="0">
+                    <a:solidFill>
+                      <a:srgbClr val="FFFFFF"/>
+                    </a:solidFill>
+                    <a:latin typeface="Helvetica Neue Bold Condensed"/>
+                    <a:ea typeface="Helvetica Neue Bold Condensed"/>
+                    <a:cs typeface="Helvetica Neue Bold Condensed"/>
+                    <a:sym typeface="Helvetica Neue Bold Condensed"/>
+                  </a:defRPr>
+                </a:lvl1pPr>
+              </a:lstStyle>
+              <a:p>
+                <a:r>
+                  <a:rPr kumimoji="0" lang="en-US" altLang="zh-TW" sz="1200" b="0" i="0" u="none" strike="noStrike" cap="none" spc="0" normalizeH="0" baseline="0" dirty="0">
+                    <a:ln>
+                      <a:noFill/>
+                    </a:ln>
+                    <a:solidFill>
+                      <a:schemeClr val="tx1">
+                        <a:alpha val="15000"/>
+                      </a:schemeClr>
+                    </a:solidFill>
+                    <a:effectLst/>
+                    <a:uFillTx/>
+                    <a:latin typeface="Helvetica Neue Bold Condensed"/>
+                    <a:ea typeface="Helvetica Neue Bold Condensed"/>
+                    <a:cs typeface="Helvetica Neue Bold Condensed"/>
+                    <a:sym typeface="Helvetica Neue Bold Condensed"/>
+                  </a:rPr>
+                  <a:t>AI &amp; Data </a:t>
+                </a:r>
+                <a:r>
+                  <a:rPr kumimoji="0" lang="zh-TW" altLang="en-US" sz="1200" b="0" i="0" u="none" strike="noStrike" cap="none" spc="0" normalizeH="0" baseline="0" dirty="0">
+                    <a:ln>
+                      <a:noFill/>
+                    </a:ln>
+                    <a:solidFill>
+                      <a:schemeClr val="tx1">
+                        <a:alpha val="15000"/>
+                      </a:schemeClr>
+                    </a:solidFill>
+                    <a:effectLst/>
+                    <a:uFillTx/>
+                    <a:latin typeface="Helvetica Neue Bold Condensed"/>
+                    <a:ea typeface="Helvetica Neue Bold Condensed"/>
+                    <a:cs typeface="Helvetica Neue Bold Condensed"/>
+                    <a:sym typeface="Helvetica Neue Bold Condensed"/>
+                  </a:rPr>
+                  <a:t>組</a:t>
+                </a:r>
+                <a:endParaRPr sz="1400" dirty="0">
+                  <a:solidFill>
+                    <a:schemeClr val="tx1">
+                      <a:alpha val="15000"/>
+                    </a:schemeClr>
+                  </a:solidFill>
+                </a:endParaRPr>
+              </a:p>
+            </p:txBody>
+          </p:sp>
+        </p:grpSp>
+        <p:grpSp>
+          <p:nvGrpSpPr>
+            <p:cNvPr id="10" name="Group 9">
+              <a:extLst>
+                <a:ext uri="{FF2B5EF4-FFF2-40B4-BE49-F238E27FC236}">
+                  <a16:creationId xmlns:a16="http://schemas.microsoft.com/office/drawing/2014/main" id="{70D03EBB-BDBC-6B4E-B11C-0DADA4969D50}"/>
+                </a:ext>
+              </a:extLst>
+            </p:cNvPr>
+            <p:cNvGrpSpPr/>
+            <p:nvPr/>
+          </p:nvGrpSpPr>
+          <p:grpSpPr>
+            <a:xfrm>
+              <a:off x="7247835" y="3971848"/>
+              <a:ext cx="1876735" cy="1050587"/>
+              <a:chOff x="3891792" y="3940042"/>
+              <a:chExt cx="1876735" cy="1050587"/>
+            </a:xfrm>
+          </p:grpSpPr>
+          <p:pic>
+            <p:nvPicPr>
+              <p:cNvPr id="11" name="Picture 10">
+                <a:extLst>
+                  <a:ext uri="{FF2B5EF4-FFF2-40B4-BE49-F238E27FC236}">
+                    <a16:creationId xmlns:a16="http://schemas.microsoft.com/office/drawing/2014/main" id="{9E0146BE-71B5-1B48-8340-7C3D55205C00}"/>
+                  </a:ext>
+                </a:extLst>
+              </p:cNvPr>
+              <p:cNvPicPr>
+                <a:picLocks noChangeAspect="1" noChangeArrowheads="1"/>
+              </p:cNvPicPr>
+              <p:nvPr/>
+            </p:nvPicPr>
+            <p:blipFill>
+              <a:blip r:embed="rId5">
+                <a:duotone>
+                  <a:prstClr val="black"/>
+                  <a:schemeClr val="tx1">
+                    <a:tint val="45000"/>
+                    <a:satMod val="400000"/>
+                  </a:schemeClr>
+                </a:duotone>
+                <a:alphaModFix amt="20000"/>
+              </a:blip>
+              <a:srcRect/>
+              <a:stretch/>
+            </p:blipFill>
+            <p:spPr bwMode="auto">
+              <a:xfrm>
+                <a:off x="4489805" y="3940042"/>
+                <a:ext cx="1050587" cy="1050587"/>
+              </a:xfrm>
+              <a:prstGeom prst="rect">
+                <a:avLst/>
+              </a:prstGeom>
+              <a:noFill/>
+              <a:extLst>
+                <a:ext uri="{909E8E84-426E-40DD-AFC4-6F175D3DCCD1}">
+                  <a14:hiddenFill xmlns:a14="http://schemas.microsoft.com/office/drawing/2010/main">
+                    <a:solidFill>
+                      <a:srgbClr val="FFFFFF"/>
+                    </a:solidFill>
+                  </a14:hiddenFill>
+                </a:ext>
+              </a:extLst>
+            </p:spPr>
+          </p:pic>
+          <p:pic>
+            <p:nvPicPr>
+              <p:cNvPr id="12" name="Picture 4" descr="Youtube logo | Logok">
+                <a:extLst>
+                  <a:ext uri="{FF2B5EF4-FFF2-40B4-BE49-F238E27FC236}">
+                    <a16:creationId xmlns:a16="http://schemas.microsoft.com/office/drawing/2014/main" id="{3478D1AD-40FD-844B-B711-5149322CF7B8}"/>
+                  </a:ext>
+                </a:extLst>
+              </p:cNvPr>
+              <p:cNvPicPr>
+                <a:picLocks noChangeAspect="1" noChangeArrowheads="1"/>
+              </p:cNvPicPr>
+              <p:nvPr/>
+            </p:nvPicPr>
+            <p:blipFill>
+              <a:blip r:embed="rId6">
+                <a:alphaModFix amt="20000"/>
+                <a:extLst>
+                  <a:ext uri="{28A0092B-C50C-407E-A947-70E740481C1C}">
+                    <a14:useLocalDpi xmlns:a14="http://schemas.microsoft.com/office/drawing/2010/main" val="0"/>
+                  </a:ext>
+                </a:extLst>
+              </a:blip>
+              <a:srcRect/>
+              <a:stretch>
+                <a:fillRect/>
+              </a:stretch>
+            </p:blipFill>
+            <p:spPr bwMode="auto">
+              <a:xfrm>
+                <a:off x="3891792" y="4187926"/>
+                <a:ext cx="739756" cy="554817"/>
+              </a:xfrm>
+              <a:prstGeom prst="rect">
+                <a:avLst/>
+              </a:prstGeom>
+              <a:noFill/>
+              <a:extLst>
+                <a:ext uri="{909E8E84-426E-40DD-AFC4-6F175D3DCCD1}">
+                  <a14:hiddenFill xmlns:a14="http://schemas.microsoft.com/office/drawing/2010/main">
+                    <a:solidFill>
+                      <a:srgbClr val="FFFFFF"/>
+                    </a:solidFill>
+                  </a14:hiddenFill>
+                </a:ext>
+              </a:extLst>
+            </p:spPr>
+          </p:pic>
+          <p:sp>
+            <p:nvSpPr>
+              <p:cNvPr id="13" name="Intelligent Information Retrieval Laboratory">
+                <a:extLst>
+                  <a:ext uri="{FF2B5EF4-FFF2-40B4-BE49-F238E27FC236}">
+                    <a16:creationId xmlns:a16="http://schemas.microsoft.com/office/drawing/2014/main" id="{4FFACAB6-D0CE-9245-B1F6-CC0395F8163C}"/>
+                  </a:ext>
+                </a:extLst>
+              </p:cNvPr>
+              <p:cNvSpPr txBox="1"/>
+              <p:nvPr/>
+            </p:nvSpPr>
+            <p:spPr>
+              <a:xfrm>
+                <a:off x="4549327" y="4353909"/>
+                <a:ext cx="1219200" cy="238320"/>
+              </a:xfrm>
+              <a:prstGeom prst="rect">
+                <a:avLst/>
+              </a:prstGeom>
+              <a:noFill/>
+              <a:ln w="12700" cap="flat">
+                <a:noFill/>
+                <a:miter lim="400000"/>
+              </a:ln>
+              <a:effectLst/>
+              <a:extLst>
+                <a:ext uri="{C572A759-6A51-4108-AA02-DFA0A04FC94B}">
+                  <ma14:wrappingTextBoxFlag xmlns="" xmlns:m="http://schemas.openxmlformats.org/officeDocument/2006/math" xmlns:a14="http://schemas.microsoft.com/office/drawing/2010/main" xmlns:ma14="http://schemas.microsoft.com/office/mac/drawingml/2011/main" val="1"/>
+                </a:ext>
+              </a:extLst>
+            </p:spPr>
+            <p:txBody>
+              <a:bodyPr wrap="square" lIns="71437" tIns="71437" rIns="71437" bIns="71437" numCol="1" anchor="ctr">
+                <a:spAutoFit/>
+              </a:bodyPr>
+              <a:lstStyle>
+                <a:lvl1pPr algn="l" defTabSz="821531">
+                  <a:defRPr sz="2400" b="0">
+                    <a:solidFill>
+                      <a:srgbClr val="FFFFFF"/>
+                    </a:solidFill>
+                    <a:latin typeface="Helvetica Neue Bold Condensed"/>
+                    <a:ea typeface="Helvetica Neue Bold Condensed"/>
+                    <a:cs typeface="Helvetica Neue Bold Condensed"/>
+                    <a:sym typeface="Helvetica Neue Bold Condensed"/>
+                  </a:defRPr>
+                </a:lvl1pPr>
+              </a:lstStyle>
+              <a:p>
+                <a:r>
+                  <a:rPr kumimoji="0" lang="en-US" altLang="zh-TW" sz="1600" b="0" i="0" u="none" strike="noStrike" cap="none" spc="0" normalizeH="0" baseline="0" dirty="0">
+                    <a:ln>
+                      <a:noFill/>
+                    </a:ln>
+                    <a:solidFill>
+                      <a:schemeClr val="tx1">
+                        <a:alpha val="15000"/>
+                      </a:schemeClr>
+                    </a:solidFill>
+                    <a:effectLst/>
+                    <a:uFillTx/>
+                    <a:sym typeface="Helvetica Neue Bold Condensed"/>
+                  </a:rPr>
+                  <a:t>10</a:t>
+                </a:r>
+                <a:r>
+                  <a:rPr kumimoji="0" lang="zh-TW" altLang="en-US" sz="1600" b="0" i="0" u="none" strike="noStrike" cap="none" spc="0" normalizeH="0" baseline="0" dirty="0">
+                    <a:ln>
+                      <a:noFill/>
+                    </a:ln>
+                    <a:solidFill>
+                      <a:schemeClr val="tx1">
+                        <a:alpha val="15000"/>
+                      </a:schemeClr>
+                    </a:solidFill>
+                    <a:effectLst/>
+                    <a:uFillTx/>
+                    <a:sym typeface="Helvetica Neue Bold Condensed"/>
+                  </a:rPr>
+                  <a:t>程式中</a:t>
+                </a:r>
+                <a:endParaRPr sz="1800" dirty="0">
+                  <a:solidFill>
+                    <a:schemeClr val="tx1">
+                      <a:alpha val="15000"/>
+                    </a:schemeClr>
+                  </a:solidFill>
+                </a:endParaRPr>
+              </a:p>
+            </p:txBody>
+          </p:sp>
+        </p:grpSp>
+      </p:grpSp>
     </p:spTree>
     <p:extLst>
       <p:ext uri="{BB962C8B-B14F-4D97-AF65-F5344CB8AC3E}">
@@ -3743,6 +4285,607 @@
 </file>
 
 <file path=ppt/slides/slide2.xml><?xml version="1.0" encoding="utf-8"?>
+<p:sld xmlns:a="http://schemas.openxmlformats.org/drawingml/2006/main" xmlns:r="http://schemas.openxmlformats.org/officeDocument/2006/relationships" xmlns:p="http://schemas.openxmlformats.org/presentationml/2006/main">
+  <p:cSld>
+    <p:spTree>
+      <p:nvGrpSpPr>
+        <p:cNvPr id="1" name=""/>
+        <p:cNvGrpSpPr/>
+        <p:nvPr/>
+      </p:nvGrpSpPr>
+      <p:grpSpPr>
+        <a:xfrm>
+          <a:off x="0" y="0"/>
+          <a:ext cx="0" cy="0"/>
+          <a:chOff x="0" y="0"/>
+          <a:chExt cx="0" cy="0"/>
+        </a:xfrm>
+      </p:grpSpPr>
+      <p:pic>
+        <p:nvPicPr>
+          <p:cNvPr id="3" name="Picture 2">
+            <a:extLst>
+              <a:ext uri="{FF2B5EF4-FFF2-40B4-BE49-F238E27FC236}">
+                <a16:creationId xmlns:a16="http://schemas.microsoft.com/office/drawing/2014/main" id="{3732DF72-8CD3-F44D-86EA-ED9774A6C379}"/>
+              </a:ext>
+            </a:extLst>
+          </p:cNvPr>
+          <p:cNvPicPr>
+            <a:picLocks noChangeAspect="1"/>
+          </p:cNvPicPr>
+          <p:nvPr/>
+        </p:nvPicPr>
+        <p:blipFill>
+          <a:blip r:embed="rId2"/>
+          <a:stretch>
+            <a:fillRect/>
+          </a:stretch>
+        </p:blipFill>
+        <p:spPr>
+          <a:xfrm>
+            <a:off x="69850" y="1600200"/>
+            <a:ext cx="12052300" cy="3657600"/>
+          </a:xfrm>
+          <a:prstGeom prst="rect">
+            <a:avLst/>
+          </a:prstGeom>
+        </p:spPr>
+      </p:pic>
+      <p:grpSp>
+        <p:nvGrpSpPr>
+          <p:cNvPr id="4" name="Group 3">
+            <a:extLst>
+              <a:ext uri="{FF2B5EF4-FFF2-40B4-BE49-F238E27FC236}">
+                <a16:creationId xmlns:a16="http://schemas.microsoft.com/office/drawing/2014/main" id="{431F1A44-D71B-C246-9E9C-36BBE0F63D66}"/>
+              </a:ext>
+            </a:extLst>
+          </p:cNvPr>
+          <p:cNvGrpSpPr>
+            <a:grpSpLocks noChangeAspect="1"/>
+          </p:cNvGrpSpPr>
+          <p:nvPr/>
+        </p:nvGrpSpPr>
+        <p:grpSpPr>
+          <a:xfrm>
+            <a:off x="1538805" y="4631668"/>
+            <a:ext cx="9445134" cy="1721404"/>
+            <a:chOff x="3360126" y="3971848"/>
+            <a:chExt cx="5764444" cy="1050587"/>
+          </a:xfrm>
+        </p:grpSpPr>
+        <p:grpSp>
+          <p:nvGrpSpPr>
+            <p:cNvPr id="5" name="Group 4">
+              <a:extLst>
+                <a:ext uri="{FF2B5EF4-FFF2-40B4-BE49-F238E27FC236}">
+                  <a16:creationId xmlns:a16="http://schemas.microsoft.com/office/drawing/2014/main" id="{EE5CDDB9-01AD-1E46-A75C-88DFA2FC9C6F}"/>
+                </a:ext>
+              </a:extLst>
+            </p:cNvPr>
+            <p:cNvGrpSpPr/>
+            <p:nvPr/>
+          </p:nvGrpSpPr>
+          <p:grpSpPr>
+            <a:xfrm>
+              <a:off x="3360126" y="4370288"/>
+              <a:ext cx="2735874" cy="238320"/>
+              <a:chOff x="7237110" y="4319211"/>
+              <a:chExt cx="2735874" cy="238320"/>
+            </a:xfrm>
+          </p:grpSpPr>
+          <p:sp>
+            <p:nvSpPr>
+              <p:cNvPr id="10" name="Intelligent Information Retrieval Laboratory">
+                <a:extLst>
+                  <a:ext uri="{FF2B5EF4-FFF2-40B4-BE49-F238E27FC236}">
+                    <a16:creationId xmlns:a16="http://schemas.microsoft.com/office/drawing/2014/main" id="{C4FE60E6-16C1-0346-9C71-6C919A43CAF4}"/>
+                  </a:ext>
+                </a:extLst>
+              </p:cNvPr>
+              <p:cNvSpPr txBox="1"/>
+              <p:nvPr/>
+            </p:nvSpPr>
+            <p:spPr>
+              <a:xfrm>
+                <a:off x="7237110" y="4319211"/>
+                <a:ext cx="2590800" cy="238320"/>
+              </a:xfrm>
+              <a:prstGeom prst="rect">
+                <a:avLst/>
+              </a:prstGeom>
+              <a:noFill/>
+              <a:ln w="12700" cap="flat">
+                <a:noFill/>
+                <a:miter lim="400000"/>
+              </a:ln>
+              <a:effectLst/>
+              <a:extLst>
+                <a:ext uri="{C572A759-6A51-4108-AA02-DFA0A04FC94B}">
+                  <ma14:wrappingTextBoxFlag xmlns="" xmlns:m="http://schemas.openxmlformats.org/officeDocument/2006/math" xmlns:a14="http://schemas.microsoft.com/office/drawing/2010/main" xmlns:ma14="http://schemas.microsoft.com/office/mac/drawingml/2011/main" val="1"/>
+                </a:ext>
+              </a:extLst>
+            </p:spPr>
+            <p:txBody>
+              <a:bodyPr wrap="square" lIns="71437" tIns="71437" rIns="71437" bIns="71437" numCol="1" anchor="ctr">
+                <a:spAutoFit/>
+              </a:bodyPr>
+              <a:lstStyle>
+                <a:lvl1pPr algn="l" defTabSz="821531">
+                  <a:defRPr sz="2400" b="0">
+                    <a:solidFill>
+                      <a:srgbClr val="FFFFFF"/>
+                    </a:solidFill>
+                    <a:latin typeface="Helvetica Neue Bold Condensed"/>
+                    <a:ea typeface="Helvetica Neue Bold Condensed"/>
+                    <a:cs typeface="Helvetica Neue Bold Condensed"/>
+                    <a:sym typeface="Helvetica Neue Bold Condensed"/>
+                  </a:defRPr>
+                </a:lvl1pPr>
+              </a:lstStyle>
+              <a:p>
+                <a:r>
+                  <a:rPr kumimoji="0" lang="zh-TW" altLang="en-US" sz="1200" b="0" i="0" u="none" strike="noStrike" cap="none" spc="0" normalizeH="0" baseline="0" dirty="0">
+                    <a:ln>
+                      <a:noFill/>
+                    </a:ln>
+                    <a:solidFill>
+                      <a:schemeClr val="tx1">
+                        <a:alpha val="15000"/>
+                      </a:schemeClr>
+                    </a:solidFill>
+                    <a:effectLst/>
+                    <a:uFillTx/>
+                    <a:latin typeface="Helvetica Neue Bold Condensed"/>
+                    <a:ea typeface="Helvetica Neue Bold Condensed"/>
+                    <a:cs typeface="Helvetica Neue Bold Condensed"/>
+                    <a:sym typeface="Helvetica Neue Bold Condensed"/>
+                  </a:rPr>
+                  <a:t>第</a:t>
+                </a:r>
+                <a:r>
+                  <a:rPr kumimoji="0" lang="en-US" altLang="zh-TW" sz="1200" b="0" i="0" u="none" strike="noStrike" cap="none" spc="0" normalizeH="0" baseline="0" dirty="0">
+                    <a:ln>
+                      <a:noFill/>
+                    </a:ln>
+                    <a:solidFill>
+                      <a:schemeClr val="tx1">
+                        <a:alpha val="15000"/>
+                      </a:schemeClr>
+                    </a:solidFill>
+                    <a:effectLst/>
+                    <a:uFillTx/>
+                    <a:latin typeface="Helvetica Neue Bold Condensed"/>
+                    <a:ea typeface="Helvetica Neue Bold Condensed"/>
+                    <a:cs typeface="Helvetica Neue Bold Condensed"/>
+                    <a:sym typeface="Helvetica Neue Bold Condensed"/>
+                  </a:rPr>
+                  <a:t>13</a:t>
+                </a:r>
+                <a:r>
+                  <a:rPr kumimoji="0" lang="zh-TW" altLang="en-US" sz="1200" b="0" i="0" u="none" strike="noStrike" cap="none" spc="0" normalizeH="0" baseline="0" dirty="0">
+                    <a:ln>
+                      <a:noFill/>
+                    </a:ln>
+                    <a:solidFill>
+                      <a:schemeClr val="tx1">
+                        <a:alpha val="15000"/>
+                      </a:schemeClr>
+                    </a:solidFill>
+                    <a:effectLst/>
+                    <a:uFillTx/>
+                    <a:latin typeface="Helvetica Neue Bold Condensed"/>
+                    <a:ea typeface="Helvetica Neue Bold Condensed"/>
+                    <a:cs typeface="Helvetica Neue Bold Condensed"/>
+                    <a:sym typeface="Helvetica Neue Bold Condensed"/>
+                  </a:rPr>
+                  <a:t>屆 </a:t>
+                </a:r>
+                <a:r>
+                  <a:rPr kumimoji="0" lang="en-US" sz="1600" b="0" i="0" u="none" strike="noStrike" cap="none" spc="0" normalizeH="0" baseline="0" dirty="0">
+                    <a:ln>
+                      <a:noFill/>
+                    </a:ln>
+                    <a:solidFill>
+                      <a:schemeClr val="tx1">
+                        <a:alpha val="15000"/>
+                      </a:schemeClr>
+                    </a:solidFill>
+                    <a:effectLst/>
+                    <a:uFillTx/>
+                    <a:latin typeface="Helvetica Neue Bold Condensed"/>
+                    <a:ea typeface="Helvetica Neue Bold Condensed"/>
+                    <a:cs typeface="Helvetica Neue Bold Condensed"/>
+                    <a:sym typeface="Helvetica Neue Bold Condensed"/>
+                  </a:rPr>
+                  <a:t>iT</a:t>
+                </a:r>
+                <a:r>
+                  <a:rPr kumimoji="0" lang="zh-TW" altLang="en-US" sz="1400" b="0" i="0" u="none" strike="noStrike" cap="none" spc="0" normalizeH="0" baseline="0" dirty="0">
+                    <a:ln>
+                      <a:noFill/>
+                    </a:ln>
+                    <a:solidFill>
+                      <a:schemeClr val="tx1">
+                        <a:alpha val="15000"/>
+                      </a:schemeClr>
+                    </a:solidFill>
+                    <a:effectLst/>
+                    <a:uFillTx/>
+                    <a:latin typeface="Helvetica Neue Bold Condensed"/>
+                    <a:ea typeface="Helvetica Neue Bold Condensed"/>
+                    <a:cs typeface="Helvetica Neue Bold Condensed"/>
+                    <a:sym typeface="Helvetica Neue Bold Condensed"/>
+                  </a:rPr>
+                  <a:t>邦</a:t>
+                </a:r>
+                <a:r>
+                  <a:rPr kumimoji="0" lang="zh-TW" altLang="en-US" sz="1100" b="0" i="0" u="none" strike="noStrike" cap="none" spc="0" normalizeH="0" baseline="0" dirty="0">
+                    <a:ln>
+                      <a:noFill/>
+                    </a:ln>
+                    <a:solidFill>
+                      <a:schemeClr val="tx1">
+                        <a:alpha val="15000"/>
+                      </a:schemeClr>
+                    </a:solidFill>
+                    <a:effectLst/>
+                    <a:uFillTx/>
+                    <a:latin typeface="Helvetica Neue Bold Condensed"/>
+                    <a:ea typeface="Helvetica Neue Bold Condensed"/>
+                    <a:cs typeface="Helvetica Neue Bold Condensed"/>
+                    <a:sym typeface="Helvetica Neue Bold Condensed"/>
+                  </a:rPr>
+                  <a:t>幫忙</a:t>
+                </a:r>
+                <a:r>
+                  <a:rPr kumimoji="0" lang="zh-TW" altLang="en-US" sz="1400" b="0" i="0" u="none" strike="noStrike" cap="none" spc="0" normalizeH="0" baseline="0" dirty="0">
+                    <a:ln>
+                      <a:noFill/>
+                    </a:ln>
+                    <a:solidFill>
+                      <a:schemeClr val="tx1">
+                        <a:alpha val="15000"/>
+                      </a:schemeClr>
+                    </a:solidFill>
+                    <a:effectLst/>
+                    <a:uFillTx/>
+                    <a:sym typeface="Helvetica Neue Bold Condensed"/>
+                  </a:rPr>
+                  <a:t> 鐵人賽</a:t>
+                </a:r>
+                <a:endParaRPr sz="1400" dirty="0">
+                  <a:solidFill>
+                    <a:schemeClr val="tx1">
+                      <a:alpha val="15000"/>
+                    </a:schemeClr>
+                  </a:solidFill>
+                </a:endParaRPr>
+              </a:p>
+            </p:txBody>
+          </p:sp>
+          <p:sp>
+            <p:nvSpPr>
+              <p:cNvPr id="11" name="Intelligent Information Retrieval Laboratory">
+                <a:extLst>
+                  <a:ext uri="{FF2B5EF4-FFF2-40B4-BE49-F238E27FC236}">
+                    <a16:creationId xmlns:a16="http://schemas.microsoft.com/office/drawing/2014/main" id="{4CE09D51-CE39-3548-A5D8-FA33765366D1}"/>
+                  </a:ext>
+                </a:extLst>
+              </p:cNvPr>
+              <p:cNvSpPr txBox="1"/>
+              <p:nvPr/>
+            </p:nvSpPr>
+            <p:spPr>
+              <a:xfrm>
+                <a:off x="8753784" y="4345689"/>
+                <a:ext cx="1219200" cy="200752"/>
+              </a:xfrm>
+              <a:prstGeom prst="rect">
+                <a:avLst/>
+              </a:prstGeom>
+              <a:noFill/>
+              <a:ln w="12700" cap="flat">
+                <a:noFill/>
+                <a:miter lim="400000"/>
+              </a:ln>
+              <a:effectLst/>
+              <a:extLst>
+                <a:ext uri="{C572A759-6A51-4108-AA02-DFA0A04FC94B}">
+                  <ma14:wrappingTextBoxFlag xmlns="" xmlns:m="http://schemas.openxmlformats.org/officeDocument/2006/math" xmlns:a14="http://schemas.microsoft.com/office/drawing/2010/main" xmlns:ma14="http://schemas.microsoft.com/office/mac/drawingml/2011/main" val="1"/>
+                </a:ext>
+              </a:extLst>
+            </p:spPr>
+            <p:txBody>
+              <a:bodyPr wrap="square" lIns="71437" tIns="71437" rIns="71437" bIns="71437" numCol="1" anchor="ctr">
+                <a:spAutoFit/>
+              </a:bodyPr>
+              <a:lstStyle>
+                <a:lvl1pPr algn="l" defTabSz="821531">
+                  <a:defRPr sz="2400" b="0">
+                    <a:solidFill>
+                      <a:srgbClr val="FFFFFF"/>
+                    </a:solidFill>
+                    <a:latin typeface="Helvetica Neue Bold Condensed"/>
+                    <a:ea typeface="Helvetica Neue Bold Condensed"/>
+                    <a:cs typeface="Helvetica Neue Bold Condensed"/>
+                    <a:sym typeface="Helvetica Neue Bold Condensed"/>
+                  </a:defRPr>
+                </a:lvl1pPr>
+              </a:lstStyle>
+              <a:p>
+                <a:r>
+                  <a:rPr kumimoji="0" lang="en-US" altLang="zh-TW" sz="1200" b="0" i="0" u="none" strike="noStrike" cap="none" spc="0" normalizeH="0" baseline="0" dirty="0">
+                    <a:ln>
+                      <a:noFill/>
+                    </a:ln>
+                    <a:solidFill>
+                      <a:schemeClr val="tx1">
+                        <a:alpha val="15000"/>
+                      </a:schemeClr>
+                    </a:solidFill>
+                    <a:effectLst/>
+                    <a:uFillTx/>
+                    <a:latin typeface="Helvetica Neue Bold Condensed"/>
+                    <a:ea typeface="Helvetica Neue Bold Condensed"/>
+                    <a:cs typeface="Helvetica Neue Bold Condensed"/>
+                    <a:sym typeface="Helvetica Neue Bold Condensed"/>
+                  </a:rPr>
+                  <a:t>AI &amp; Data </a:t>
+                </a:r>
+                <a:r>
+                  <a:rPr kumimoji="0" lang="zh-TW" altLang="en-US" sz="1200" b="0" i="0" u="none" strike="noStrike" cap="none" spc="0" normalizeH="0" baseline="0" dirty="0">
+                    <a:ln>
+                      <a:noFill/>
+                    </a:ln>
+                    <a:solidFill>
+                      <a:schemeClr val="tx1">
+                        <a:alpha val="15000"/>
+                      </a:schemeClr>
+                    </a:solidFill>
+                    <a:effectLst/>
+                    <a:uFillTx/>
+                    <a:latin typeface="Helvetica Neue Bold Condensed"/>
+                    <a:ea typeface="Helvetica Neue Bold Condensed"/>
+                    <a:cs typeface="Helvetica Neue Bold Condensed"/>
+                    <a:sym typeface="Helvetica Neue Bold Condensed"/>
+                  </a:rPr>
+                  <a:t>組</a:t>
+                </a:r>
+                <a:endParaRPr sz="1400" dirty="0">
+                  <a:solidFill>
+                    <a:schemeClr val="tx1">
+                      <a:alpha val="15000"/>
+                    </a:schemeClr>
+                  </a:solidFill>
+                </a:endParaRPr>
+              </a:p>
+            </p:txBody>
+          </p:sp>
+        </p:grpSp>
+        <p:grpSp>
+          <p:nvGrpSpPr>
+            <p:cNvPr id="6" name="Group 5">
+              <a:extLst>
+                <a:ext uri="{FF2B5EF4-FFF2-40B4-BE49-F238E27FC236}">
+                  <a16:creationId xmlns:a16="http://schemas.microsoft.com/office/drawing/2014/main" id="{0378308E-EEAA-1744-AD9E-DCF4FACACF7B}"/>
+                </a:ext>
+              </a:extLst>
+            </p:cNvPr>
+            <p:cNvGrpSpPr/>
+            <p:nvPr/>
+          </p:nvGrpSpPr>
+          <p:grpSpPr>
+            <a:xfrm>
+              <a:off x="7247835" y="3971848"/>
+              <a:ext cx="1876735" cy="1050587"/>
+              <a:chOff x="3891792" y="3940042"/>
+              <a:chExt cx="1876735" cy="1050587"/>
+            </a:xfrm>
+          </p:grpSpPr>
+          <p:pic>
+            <p:nvPicPr>
+              <p:cNvPr id="7" name="Picture 6">
+                <a:extLst>
+                  <a:ext uri="{FF2B5EF4-FFF2-40B4-BE49-F238E27FC236}">
+                    <a16:creationId xmlns:a16="http://schemas.microsoft.com/office/drawing/2014/main" id="{3687AA91-E2DA-1B44-BBCE-106E975295BA}"/>
+                  </a:ext>
+                </a:extLst>
+              </p:cNvPr>
+              <p:cNvPicPr>
+                <a:picLocks noChangeAspect="1" noChangeArrowheads="1"/>
+              </p:cNvPicPr>
+              <p:nvPr/>
+            </p:nvPicPr>
+            <p:blipFill>
+              <a:blip r:embed="rId3">
+                <a:duotone>
+                  <a:prstClr val="black"/>
+                  <a:schemeClr val="tx1">
+                    <a:tint val="45000"/>
+                    <a:satMod val="400000"/>
+                  </a:schemeClr>
+                </a:duotone>
+                <a:alphaModFix amt="20000"/>
+              </a:blip>
+              <a:srcRect/>
+              <a:stretch/>
+            </p:blipFill>
+            <p:spPr bwMode="auto">
+              <a:xfrm>
+                <a:off x="4489805" y="3940042"/>
+                <a:ext cx="1050587" cy="1050587"/>
+              </a:xfrm>
+              <a:prstGeom prst="rect">
+                <a:avLst/>
+              </a:prstGeom>
+              <a:noFill/>
+              <a:extLst>
+                <a:ext uri="{909E8E84-426E-40DD-AFC4-6F175D3DCCD1}">
+                  <a14:hiddenFill xmlns:a14="http://schemas.microsoft.com/office/drawing/2010/main">
+                    <a:solidFill>
+                      <a:srgbClr val="FFFFFF"/>
+                    </a:solidFill>
+                  </a14:hiddenFill>
+                </a:ext>
+              </a:extLst>
+            </p:spPr>
+          </p:pic>
+          <p:pic>
+            <p:nvPicPr>
+              <p:cNvPr id="8" name="Picture 4" descr="Youtube logo | Logok">
+                <a:extLst>
+                  <a:ext uri="{FF2B5EF4-FFF2-40B4-BE49-F238E27FC236}">
+                    <a16:creationId xmlns:a16="http://schemas.microsoft.com/office/drawing/2014/main" id="{CC77ABD0-C1EE-A146-AAE3-B285BEAFB262}"/>
+                  </a:ext>
+                </a:extLst>
+              </p:cNvPr>
+              <p:cNvPicPr>
+                <a:picLocks noChangeAspect="1" noChangeArrowheads="1"/>
+              </p:cNvPicPr>
+              <p:nvPr/>
+            </p:nvPicPr>
+            <p:blipFill>
+              <a:blip r:embed="rId4">
+                <a:alphaModFix amt="20000"/>
+                <a:extLst>
+                  <a:ext uri="{28A0092B-C50C-407E-A947-70E740481C1C}">
+                    <a14:useLocalDpi xmlns:a14="http://schemas.microsoft.com/office/drawing/2010/main" val="0"/>
+                  </a:ext>
+                </a:extLst>
+              </a:blip>
+              <a:srcRect/>
+              <a:stretch>
+                <a:fillRect/>
+              </a:stretch>
+            </p:blipFill>
+            <p:spPr bwMode="auto">
+              <a:xfrm>
+                <a:off x="3891792" y="4187926"/>
+                <a:ext cx="739756" cy="554817"/>
+              </a:xfrm>
+              <a:prstGeom prst="rect">
+                <a:avLst/>
+              </a:prstGeom>
+              <a:noFill/>
+              <a:extLst>
+                <a:ext uri="{909E8E84-426E-40DD-AFC4-6F175D3DCCD1}">
+                  <a14:hiddenFill xmlns:a14="http://schemas.microsoft.com/office/drawing/2010/main">
+                    <a:solidFill>
+                      <a:srgbClr val="FFFFFF"/>
+                    </a:solidFill>
+                  </a14:hiddenFill>
+                </a:ext>
+              </a:extLst>
+            </p:spPr>
+          </p:pic>
+          <p:sp>
+            <p:nvSpPr>
+              <p:cNvPr id="9" name="Intelligent Information Retrieval Laboratory">
+                <a:extLst>
+                  <a:ext uri="{FF2B5EF4-FFF2-40B4-BE49-F238E27FC236}">
+                    <a16:creationId xmlns:a16="http://schemas.microsoft.com/office/drawing/2014/main" id="{D6C605AB-6FE5-FE46-8E6B-A83BB2ECEB6A}"/>
+                  </a:ext>
+                </a:extLst>
+              </p:cNvPr>
+              <p:cNvSpPr txBox="1"/>
+              <p:nvPr/>
+            </p:nvSpPr>
+            <p:spPr>
+              <a:xfrm>
+                <a:off x="4549327" y="4353909"/>
+                <a:ext cx="1219200" cy="238320"/>
+              </a:xfrm>
+              <a:prstGeom prst="rect">
+                <a:avLst/>
+              </a:prstGeom>
+              <a:noFill/>
+              <a:ln w="12700" cap="flat">
+                <a:noFill/>
+                <a:miter lim="400000"/>
+              </a:ln>
+              <a:effectLst/>
+              <a:extLst>
+                <a:ext uri="{C572A759-6A51-4108-AA02-DFA0A04FC94B}">
+                  <ma14:wrappingTextBoxFlag xmlns="" xmlns:m="http://schemas.openxmlformats.org/officeDocument/2006/math" xmlns:a14="http://schemas.microsoft.com/office/drawing/2010/main" xmlns:ma14="http://schemas.microsoft.com/office/mac/drawingml/2011/main" val="1"/>
+                </a:ext>
+              </a:extLst>
+            </p:spPr>
+            <p:txBody>
+              <a:bodyPr wrap="square" lIns="71437" tIns="71437" rIns="71437" bIns="71437" numCol="1" anchor="ctr">
+                <a:spAutoFit/>
+              </a:bodyPr>
+              <a:lstStyle>
+                <a:lvl1pPr algn="l" defTabSz="821531">
+                  <a:defRPr sz="2400" b="0">
+                    <a:solidFill>
+                      <a:srgbClr val="FFFFFF"/>
+                    </a:solidFill>
+                    <a:latin typeface="Helvetica Neue Bold Condensed"/>
+                    <a:ea typeface="Helvetica Neue Bold Condensed"/>
+                    <a:cs typeface="Helvetica Neue Bold Condensed"/>
+                    <a:sym typeface="Helvetica Neue Bold Condensed"/>
+                  </a:defRPr>
+                </a:lvl1pPr>
+              </a:lstStyle>
+              <a:p>
+                <a:r>
+                  <a:rPr kumimoji="0" lang="en-US" altLang="zh-TW" sz="1600" b="0" i="0" u="none" strike="noStrike" cap="none" spc="0" normalizeH="0" baseline="0" dirty="0">
+                    <a:ln>
+                      <a:noFill/>
+                    </a:ln>
+                    <a:solidFill>
+                      <a:schemeClr val="tx1">
+                        <a:alpha val="15000"/>
+                      </a:schemeClr>
+                    </a:solidFill>
+                    <a:effectLst/>
+                    <a:uFillTx/>
+                    <a:sym typeface="Helvetica Neue Bold Condensed"/>
+                  </a:rPr>
+                  <a:t>10</a:t>
+                </a:r>
+                <a:r>
+                  <a:rPr kumimoji="0" lang="zh-TW" altLang="en-US" sz="1600" b="0" i="0" u="none" strike="noStrike" cap="none" spc="0" normalizeH="0" baseline="0" dirty="0">
+                    <a:ln>
+                      <a:noFill/>
+                    </a:ln>
+                    <a:solidFill>
+                      <a:schemeClr val="tx1">
+                        <a:alpha val="15000"/>
+                      </a:schemeClr>
+                    </a:solidFill>
+                    <a:effectLst/>
+                    <a:uFillTx/>
+                    <a:sym typeface="Helvetica Neue Bold Condensed"/>
+                  </a:rPr>
+                  <a:t>程式中</a:t>
+                </a:r>
+                <a:endParaRPr sz="1800" dirty="0">
+                  <a:solidFill>
+                    <a:schemeClr val="tx1">
+                      <a:alpha val="15000"/>
+                    </a:schemeClr>
+                  </a:solidFill>
+                </a:endParaRPr>
+              </a:p>
+            </p:txBody>
+          </p:sp>
+        </p:grpSp>
+      </p:grpSp>
+    </p:spTree>
+    <p:extLst>
+      <p:ext uri="{BB962C8B-B14F-4D97-AF65-F5344CB8AC3E}">
+        <p14:creationId xmlns:p14="http://schemas.microsoft.com/office/powerpoint/2010/main" val="2004595288"/>
+      </p:ext>
+    </p:extLst>
+  </p:cSld>
+  <p:clrMapOvr>
+    <a:masterClrMapping/>
+  </p:clrMapOvr>
+</p:sld>
+</file>
+
+<file path=ppt/slides/slide3.xml><?xml version="1.0" encoding="utf-8"?>
 <p:sld xmlns:a="http://schemas.openxmlformats.org/drawingml/2006/main" xmlns:r="http://schemas.openxmlformats.org/officeDocument/2006/relationships" xmlns:p="http://schemas.openxmlformats.org/presentationml/2006/main">
   <p:cSld>
     <p:spTree>
@@ -4392,263 +5535,557 @@
           </a:p>
         </p:txBody>
       </p:sp>
+      <p:grpSp>
+        <p:nvGrpSpPr>
+          <p:cNvPr id="10" name="Group 9">
+            <a:extLst>
+              <a:ext uri="{FF2B5EF4-FFF2-40B4-BE49-F238E27FC236}">
+                <a16:creationId xmlns:a16="http://schemas.microsoft.com/office/drawing/2014/main" id="{427F681F-D0A1-904F-B298-3BE5B42B6D53}"/>
+              </a:ext>
+            </a:extLst>
+          </p:cNvPr>
+          <p:cNvGrpSpPr>
+            <a:grpSpLocks noChangeAspect="1"/>
+          </p:cNvGrpSpPr>
+          <p:nvPr/>
+        </p:nvGrpSpPr>
+        <p:grpSpPr>
+          <a:xfrm>
+            <a:off x="2128309" y="2082365"/>
+            <a:ext cx="6998283" cy="1275458"/>
+            <a:chOff x="3360126" y="3971848"/>
+            <a:chExt cx="5764444" cy="1050587"/>
+          </a:xfrm>
+        </p:grpSpPr>
+        <p:grpSp>
+          <p:nvGrpSpPr>
+            <p:cNvPr id="11" name="Group 10">
+              <a:extLst>
+                <a:ext uri="{FF2B5EF4-FFF2-40B4-BE49-F238E27FC236}">
+                  <a16:creationId xmlns:a16="http://schemas.microsoft.com/office/drawing/2014/main" id="{E8BEF4BD-B3DD-784A-B0C0-FBA68494C9EC}"/>
+                </a:ext>
+              </a:extLst>
+            </p:cNvPr>
+            <p:cNvGrpSpPr/>
+            <p:nvPr/>
+          </p:nvGrpSpPr>
+          <p:grpSpPr>
+            <a:xfrm>
+              <a:off x="3360126" y="4324980"/>
+              <a:ext cx="2735874" cy="328935"/>
+              <a:chOff x="7237110" y="4273903"/>
+              <a:chExt cx="2735874" cy="328935"/>
+            </a:xfrm>
+          </p:grpSpPr>
+          <p:sp>
+            <p:nvSpPr>
+              <p:cNvPr id="18" name="Intelligent Information Retrieval Laboratory">
+                <a:extLst>
+                  <a:ext uri="{FF2B5EF4-FFF2-40B4-BE49-F238E27FC236}">
+                    <a16:creationId xmlns:a16="http://schemas.microsoft.com/office/drawing/2014/main" id="{B61A7D73-EC6C-C648-A32B-752EF594AD97}"/>
+                  </a:ext>
+                </a:extLst>
+              </p:cNvPr>
+              <p:cNvSpPr txBox="1"/>
+              <p:nvPr/>
+            </p:nvSpPr>
+            <p:spPr>
+              <a:xfrm>
+                <a:off x="7237110" y="4273903"/>
+                <a:ext cx="2590800" cy="328935"/>
+              </a:xfrm>
+              <a:prstGeom prst="rect">
+                <a:avLst/>
+              </a:prstGeom>
+              <a:noFill/>
+              <a:ln w="12700" cap="flat">
+                <a:noFill/>
+                <a:miter lim="400000"/>
+              </a:ln>
+              <a:effectLst/>
+              <a:extLst>
+                <a:ext uri="{C572A759-6A51-4108-AA02-DFA0A04FC94B}">
+                  <ma14:wrappingTextBoxFlag xmlns="" xmlns:m="http://schemas.openxmlformats.org/officeDocument/2006/math" xmlns:a14="http://schemas.microsoft.com/office/drawing/2010/main" xmlns:ma14="http://schemas.microsoft.com/office/mac/drawingml/2011/main" val="1"/>
+                </a:ext>
+              </a:extLst>
+            </p:spPr>
+            <p:txBody>
+              <a:bodyPr wrap="square" lIns="71437" tIns="71437" rIns="71437" bIns="71437" numCol="1" anchor="ctr">
+                <a:spAutoFit/>
+              </a:bodyPr>
+              <a:lstStyle>
+                <a:lvl1pPr algn="l" defTabSz="821531">
+                  <a:defRPr sz="2400" b="0">
+                    <a:solidFill>
+                      <a:srgbClr val="FFFFFF"/>
+                    </a:solidFill>
+                    <a:latin typeface="Helvetica Neue Bold Condensed"/>
+                    <a:ea typeface="Helvetica Neue Bold Condensed"/>
+                    <a:cs typeface="Helvetica Neue Bold Condensed"/>
+                    <a:sym typeface="Helvetica Neue Bold Condensed"/>
+                  </a:defRPr>
+                </a:lvl1pPr>
+              </a:lstStyle>
+              <a:p>
+                <a:r>
+                  <a:rPr kumimoji="0" lang="zh-TW" altLang="en-US" sz="1050" b="0" i="0" u="none" strike="noStrike" cap="none" spc="0" normalizeH="0" baseline="0" dirty="0">
+                    <a:ln>
+                      <a:noFill/>
+                    </a:ln>
+                    <a:solidFill>
+                      <a:schemeClr val="tx1">
+                        <a:alpha val="15000"/>
+                      </a:schemeClr>
+                    </a:solidFill>
+                    <a:effectLst/>
+                    <a:uFillTx/>
+                    <a:latin typeface="Helvetica Neue Bold Condensed"/>
+                    <a:ea typeface="Helvetica Neue Bold Condensed"/>
+                    <a:cs typeface="Helvetica Neue Bold Condensed"/>
+                    <a:sym typeface="Helvetica Neue Bold Condensed"/>
+                  </a:rPr>
+                  <a:t>第</a:t>
+                </a:r>
+                <a:r>
+                  <a:rPr kumimoji="0" lang="en-US" altLang="zh-TW" sz="1050" b="0" i="0" u="none" strike="noStrike" cap="none" spc="0" normalizeH="0" baseline="0" dirty="0">
+                    <a:ln>
+                      <a:noFill/>
+                    </a:ln>
+                    <a:solidFill>
+                      <a:schemeClr val="tx1">
+                        <a:alpha val="15000"/>
+                      </a:schemeClr>
+                    </a:solidFill>
+                    <a:effectLst/>
+                    <a:uFillTx/>
+                    <a:latin typeface="Helvetica Neue Bold Condensed"/>
+                    <a:ea typeface="Helvetica Neue Bold Condensed"/>
+                    <a:cs typeface="Helvetica Neue Bold Condensed"/>
+                    <a:sym typeface="Helvetica Neue Bold Condensed"/>
+                  </a:rPr>
+                  <a:t>13</a:t>
+                </a:r>
+                <a:r>
+                  <a:rPr kumimoji="0" lang="zh-TW" altLang="en-US" sz="1050" b="0" i="0" u="none" strike="noStrike" cap="none" spc="0" normalizeH="0" baseline="0" dirty="0">
+                    <a:ln>
+                      <a:noFill/>
+                    </a:ln>
+                    <a:solidFill>
+                      <a:schemeClr val="tx1">
+                        <a:alpha val="15000"/>
+                      </a:schemeClr>
+                    </a:solidFill>
+                    <a:effectLst/>
+                    <a:uFillTx/>
+                    <a:latin typeface="Helvetica Neue Bold Condensed"/>
+                    <a:ea typeface="Helvetica Neue Bold Condensed"/>
+                    <a:cs typeface="Helvetica Neue Bold Condensed"/>
+                    <a:sym typeface="Helvetica Neue Bold Condensed"/>
+                  </a:rPr>
+                  <a:t>屆 </a:t>
+                </a:r>
+                <a:r>
+                  <a:rPr kumimoji="0" lang="en-US" sz="1200" b="0" i="0" u="none" strike="noStrike" cap="none" spc="0" normalizeH="0" baseline="0" dirty="0">
+                    <a:ln>
+                      <a:noFill/>
+                    </a:ln>
+                    <a:solidFill>
+                      <a:schemeClr val="tx1">
+                        <a:alpha val="15000"/>
+                      </a:schemeClr>
+                    </a:solidFill>
+                    <a:effectLst/>
+                    <a:uFillTx/>
+                    <a:latin typeface="Helvetica Neue Bold Condensed"/>
+                    <a:ea typeface="Helvetica Neue Bold Condensed"/>
+                    <a:cs typeface="Helvetica Neue Bold Condensed"/>
+                    <a:sym typeface="Helvetica Neue Bold Condensed"/>
+                  </a:rPr>
+                  <a:t>iT</a:t>
+                </a:r>
+                <a:r>
+                  <a:rPr kumimoji="0" lang="zh-TW" altLang="en-US" sz="1100" b="0" i="0" u="none" strike="noStrike" cap="none" spc="0" normalizeH="0" baseline="0" dirty="0">
+                    <a:ln>
+                      <a:noFill/>
+                    </a:ln>
+                    <a:solidFill>
+                      <a:schemeClr val="tx1">
+                        <a:alpha val="15000"/>
+                      </a:schemeClr>
+                    </a:solidFill>
+                    <a:effectLst/>
+                    <a:uFillTx/>
+                    <a:latin typeface="Helvetica Neue Bold Condensed"/>
+                    <a:ea typeface="Helvetica Neue Bold Condensed"/>
+                    <a:cs typeface="Helvetica Neue Bold Condensed"/>
+                    <a:sym typeface="Helvetica Neue Bold Condensed"/>
+                  </a:rPr>
+                  <a:t>邦</a:t>
+                </a:r>
+                <a:r>
+                  <a:rPr kumimoji="0" lang="zh-TW" altLang="en-US" sz="1000" b="0" i="0" u="none" strike="noStrike" cap="none" spc="0" normalizeH="0" baseline="0" dirty="0">
+                    <a:ln>
+                      <a:noFill/>
+                    </a:ln>
+                    <a:solidFill>
+                      <a:schemeClr val="tx1">
+                        <a:alpha val="15000"/>
+                      </a:schemeClr>
+                    </a:solidFill>
+                    <a:effectLst/>
+                    <a:uFillTx/>
+                    <a:latin typeface="Helvetica Neue Bold Condensed"/>
+                    <a:ea typeface="Helvetica Neue Bold Condensed"/>
+                    <a:cs typeface="Helvetica Neue Bold Condensed"/>
+                    <a:sym typeface="Helvetica Neue Bold Condensed"/>
+                  </a:rPr>
+                  <a:t>幫忙</a:t>
+                </a:r>
+                <a:r>
+                  <a:rPr kumimoji="0" lang="zh-TW" altLang="en-US" sz="1100" b="0" i="0" u="none" strike="noStrike" cap="none" spc="0" normalizeH="0" baseline="0" dirty="0">
+                    <a:ln>
+                      <a:noFill/>
+                    </a:ln>
+                    <a:solidFill>
+                      <a:schemeClr val="tx1">
+                        <a:alpha val="15000"/>
+                      </a:schemeClr>
+                    </a:solidFill>
+                    <a:effectLst/>
+                    <a:uFillTx/>
+                    <a:latin typeface="Helvetica Neue Bold Condensed"/>
+                    <a:ea typeface="Helvetica Neue Bold Condensed"/>
+                    <a:cs typeface="Helvetica Neue Bold Condensed"/>
+                    <a:sym typeface="Helvetica Neue Bold Condensed"/>
+                  </a:rPr>
+                  <a:t> 鐵人賽</a:t>
+                </a:r>
+                <a:endParaRPr sz="1100" dirty="0">
+                  <a:solidFill>
+                    <a:schemeClr val="tx1">
+                      <a:alpha val="15000"/>
+                    </a:schemeClr>
+                  </a:solidFill>
+                </a:endParaRPr>
+              </a:p>
+            </p:txBody>
+          </p:sp>
+          <p:sp>
+            <p:nvSpPr>
+              <p:cNvPr id="19" name="Intelligent Information Retrieval Laboratory">
+                <a:extLst>
+                  <a:ext uri="{FF2B5EF4-FFF2-40B4-BE49-F238E27FC236}">
+                    <a16:creationId xmlns:a16="http://schemas.microsoft.com/office/drawing/2014/main" id="{C85E4F49-610C-1240-8347-0FEAECC73187}"/>
+                  </a:ext>
+                </a:extLst>
+              </p:cNvPr>
+              <p:cNvSpPr txBox="1"/>
+              <p:nvPr/>
+            </p:nvSpPr>
+            <p:spPr>
+              <a:xfrm>
+                <a:off x="8753784" y="4289292"/>
+                <a:ext cx="1219200" cy="313546"/>
+              </a:xfrm>
+              <a:prstGeom prst="rect">
+                <a:avLst/>
+              </a:prstGeom>
+              <a:noFill/>
+              <a:ln w="12700" cap="flat">
+                <a:noFill/>
+                <a:miter lim="400000"/>
+              </a:ln>
+              <a:effectLst/>
+              <a:extLst>
+                <a:ext uri="{C572A759-6A51-4108-AA02-DFA0A04FC94B}">
+                  <ma14:wrappingTextBoxFlag xmlns="" xmlns:m="http://schemas.openxmlformats.org/officeDocument/2006/math" xmlns:a14="http://schemas.microsoft.com/office/drawing/2010/main" xmlns:ma14="http://schemas.microsoft.com/office/mac/drawingml/2011/main" val="1"/>
+                </a:ext>
+              </a:extLst>
+            </p:spPr>
+            <p:txBody>
+              <a:bodyPr wrap="square" lIns="71437" tIns="71437" rIns="71437" bIns="71437" numCol="1" anchor="ctr">
+                <a:spAutoFit/>
+              </a:bodyPr>
+              <a:lstStyle>
+                <a:lvl1pPr algn="l" defTabSz="821531">
+                  <a:defRPr sz="2400" b="0">
+                    <a:solidFill>
+                      <a:srgbClr val="FFFFFF"/>
+                    </a:solidFill>
+                    <a:latin typeface="Helvetica Neue Bold Condensed"/>
+                    <a:ea typeface="Helvetica Neue Bold Condensed"/>
+                    <a:cs typeface="Helvetica Neue Bold Condensed"/>
+                    <a:sym typeface="Helvetica Neue Bold Condensed"/>
+                  </a:defRPr>
+                </a:lvl1pPr>
+              </a:lstStyle>
+              <a:p>
+                <a:r>
+                  <a:rPr kumimoji="0" lang="en-US" altLang="zh-TW" sz="1050" b="0" i="0" u="none" strike="noStrike" cap="none" spc="0" normalizeH="0" baseline="0" dirty="0">
+                    <a:ln>
+                      <a:noFill/>
+                    </a:ln>
+                    <a:solidFill>
+                      <a:schemeClr val="tx1">
+                        <a:alpha val="15000"/>
+                      </a:schemeClr>
+                    </a:solidFill>
+                    <a:effectLst/>
+                    <a:uFillTx/>
+                    <a:latin typeface="Helvetica Neue Bold Condensed"/>
+                    <a:ea typeface="Helvetica Neue Bold Condensed"/>
+                    <a:cs typeface="Helvetica Neue Bold Condensed"/>
+                    <a:sym typeface="Helvetica Neue Bold Condensed"/>
+                  </a:rPr>
+                  <a:t>AI &amp; Data </a:t>
+                </a:r>
+                <a:r>
+                  <a:rPr kumimoji="0" lang="zh-TW" altLang="en-US" sz="1050" b="0" i="0" u="none" strike="noStrike" cap="none" spc="0" normalizeH="0" baseline="0" dirty="0">
+                    <a:ln>
+                      <a:noFill/>
+                    </a:ln>
+                    <a:solidFill>
+                      <a:schemeClr val="tx1">
+                        <a:alpha val="15000"/>
+                      </a:schemeClr>
+                    </a:solidFill>
+                    <a:effectLst/>
+                    <a:uFillTx/>
+                    <a:latin typeface="Helvetica Neue Bold Condensed"/>
+                    <a:ea typeface="Helvetica Neue Bold Condensed"/>
+                    <a:cs typeface="Helvetica Neue Bold Condensed"/>
+                    <a:sym typeface="Helvetica Neue Bold Condensed"/>
+                  </a:rPr>
+                  <a:t>組</a:t>
+                </a:r>
+                <a:endParaRPr sz="1100" dirty="0">
+                  <a:solidFill>
+                    <a:schemeClr val="tx1">
+                      <a:alpha val="15000"/>
+                    </a:schemeClr>
+                  </a:solidFill>
+                </a:endParaRPr>
+              </a:p>
+            </p:txBody>
+          </p:sp>
+        </p:grpSp>
+        <p:grpSp>
+          <p:nvGrpSpPr>
+            <p:cNvPr id="14" name="Group 13">
+              <a:extLst>
+                <a:ext uri="{FF2B5EF4-FFF2-40B4-BE49-F238E27FC236}">
+                  <a16:creationId xmlns:a16="http://schemas.microsoft.com/office/drawing/2014/main" id="{081D951C-31A8-F142-9960-72DB7FB14D1F}"/>
+                </a:ext>
+              </a:extLst>
+            </p:cNvPr>
+            <p:cNvGrpSpPr/>
+            <p:nvPr/>
+          </p:nvGrpSpPr>
+          <p:grpSpPr>
+            <a:xfrm>
+              <a:off x="7247835" y="3971848"/>
+              <a:ext cx="1876735" cy="1050587"/>
+              <a:chOff x="3891792" y="3940042"/>
+              <a:chExt cx="1876735" cy="1050587"/>
+            </a:xfrm>
+          </p:grpSpPr>
+          <p:pic>
+            <p:nvPicPr>
+              <p:cNvPr id="15" name="Picture 14">
+                <a:extLst>
+                  <a:ext uri="{FF2B5EF4-FFF2-40B4-BE49-F238E27FC236}">
+                    <a16:creationId xmlns:a16="http://schemas.microsoft.com/office/drawing/2014/main" id="{54EC1B69-0A72-1548-9DEB-947E7460A43F}"/>
+                  </a:ext>
+                </a:extLst>
+              </p:cNvPr>
+              <p:cNvPicPr>
+                <a:picLocks noChangeAspect="1" noChangeArrowheads="1"/>
+              </p:cNvPicPr>
+              <p:nvPr/>
+            </p:nvPicPr>
+            <p:blipFill>
+              <a:blip r:embed="rId2">
+                <a:duotone>
+                  <a:prstClr val="black"/>
+                  <a:schemeClr val="tx1">
+                    <a:tint val="45000"/>
+                    <a:satMod val="400000"/>
+                  </a:schemeClr>
+                </a:duotone>
+                <a:alphaModFix amt="20000"/>
+              </a:blip>
+              <a:srcRect/>
+              <a:stretch/>
+            </p:blipFill>
+            <p:spPr bwMode="auto">
+              <a:xfrm>
+                <a:off x="4489805" y="3940042"/>
+                <a:ext cx="1050587" cy="1050587"/>
+              </a:xfrm>
+              <a:prstGeom prst="rect">
+                <a:avLst/>
+              </a:prstGeom>
+              <a:noFill/>
+              <a:extLst>
+                <a:ext uri="{909E8E84-426E-40DD-AFC4-6F175D3DCCD1}">
+                  <a14:hiddenFill xmlns:a14="http://schemas.microsoft.com/office/drawing/2010/main">
+                    <a:solidFill>
+                      <a:srgbClr val="FFFFFF"/>
+                    </a:solidFill>
+                  </a14:hiddenFill>
+                </a:ext>
+              </a:extLst>
+            </p:spPr>
+          </p:pic>
+          <p:pic>
+            <p:nvPicPr>
+              <p:cNvPr id="16" name="Picture 4" descr="Youtube logo | Logok">
+                <a:extLst>
+                  <a:ext uri="{FF2B5EF4-FFF2-40B4-BE49-F238E27FC236}">
+                    <a16:creationId xmlns:a16="http://schemas.microsoft.com/office/drawing/2014/main" id="{1CFFB967-9B79-174D-94CC-8BDA5002AFF9}"/>
+                  </a:ext>
+                </a:extLst>
+              </p:cNvPr>
+              <p:cNvPicPr>
+                <a:picLocks noChangeAspect="1" noChangeArrowheads="1"/>
+              </p:cNvPicPr>
+              <p:nvPr/>
+            </p:nvPicPr>
+            <p:blipFill>
+              <a:blip r:embed="rId3">
+                <a:alphaModFix amt="20000"/>
+                <a:extLst>
+                  <a:ext uri="{28A0092B-C50C-407E-A947-70E740481C1C}">
+                    <a14:useLocalDpi xmlns:a14="http://schemas.microsoft.com/office/drawing/2010/main" val="0"/>
+                  </a:ext>
+                </a:extLst>
+              </a:blip>
+              <a:srcRect/>
+              <a:stretch>
+                <a:fillRect/>
+              </a:stretch>
+            </p:blipFill>
+            <p:spPr bwMode="auto">
+              <a:xfrm>
+                <a:off x="3891792" y="4187926"/>
+                <a:ext cx="739756" cy="554817"/>
+              </a:xfrm>
+              <a:prstGeom prst="rect">
+                <a:avLst/>
+              </a:prstGeom>
+              <a:noFill/>
+              <a:extLst>
+                <a:ext uri="{909E8E84-426E-40DD-AFC4-6F175D3DCCD1}">
+                  <a14:hiddenFill xmlns:a14="http://schemas.microsoft.com/office/drawing/2010/main">
+                    <a:solidFill>
+                      <a:srgbClr val="FFFFFF"/>
+                    </a:solidFill>
+                  </a14:hiddenFill>
+                </a:ext>
+              </a:extLst>
+            </p:spPr>
+          </p:pic>
+          <p:sp>
+            <p:nvSpPr>
+              <p:cNvPr id="17" name="Intelligent Information Retrieval Laboratory">
+                <a:extLst>
+                  <a:ext uri="{FF2B5EF4-FFF2-40B4-BE49-F238E27FC236}">
+                    <a16:creationId xmlns:a16="http://schemas.microsoft.com/office/drawing/2014/main" id="{7A4DF3E8-8993-0743-9E53-2C97560FFB6F}"/>
+                  </a:ext>
+                </a:extLst>
+              </p:cNvPr>
+              <p:cNvSpPr txBox="1"/>
+              <p:nvPr/>
+            </p:nvSpPr>
+            <p:spPr>
+              <a:xfrm>
+                <a:off x="4549327" y="4308601"/>
+                <a:ext cx="1219200" cy="328935"/>
+              </a:xfrm>
+              <a:prstGeom prst="rect">
+                <a:avLst/>
+              </a:prstGeom>
+              <a:noFill/>
+              <a:ln w="12700" cap="flat">
+                <a:noFill/>
+                <a:miter lim="400000"/>
+              </a:ln>
+              <a:effectLst/>
+              <a:extLst>
+                <a:ext uri="{C572A759-6A51-4108-AA02-DFA0A04FC94B}">
+                  <ma14:wrappingTextBoxFlag xmlns="" xmlns:m="http://schemas.openxmlformats.org/officeDocument/2006/math" xmlns:a14="http://schemas.microsoft.com/office/drawing/2010/main" xmlns:ma14="http://schemas.microsoft.com/office/mac/drawingml/2011/main" val="1"/>
+                </a:ext>
+              </a:extLst>
+            </p:spPr>
+            <p:txBody>
+              <a:bodyPr wrap="square" lIns="71437" tIns="71437" rIns="71437" bIns="71437" numCol="1" anchor="ctr">
+                <a:spAutoFit/>
+              </a:bodyPr>
+              <a:lstStyle>
+                <a:lvl1pPr algn="l" defTabSz="821531">
+                  <a:defRPr sz="2400" b="0">
+                    <a:solidFill>
+                      <a:srgbClr val="FFFFFF"/>
+                    </a:solidFill>
+                    <a:latin typeface="Helvetica Neue Bold Condensed"/>
+                    <a:ea typeface="Helvetica Neue Bold Condensed"/>
+                    <a:cs typeface="Helvetica Neue Bold Condensed"/>
+                    <a:sym typeface="Helvetica Neue Bold Condensed"/>
+                  </a:defRPr>
+                </a:lvl1pPr>
+              </a:lstStyle>
+              <a:p>
+                <a:r>
+                  <a:rPr kumimoji="0" lang="en-US" altLang="zh-TW" sz="1200" b="0" i="0" u="none" strike="noStrike" cap="none" spc="0" normalizeH="0" baseline="0" dirty="0">
+                    <a:ln>
+                      <a:noFill/>
+                    </a:ln>
+                    <a:solidFill>
+                      <a:schemeClr val="tx1">
+                        <a:alpha val="15000"/>
+                      </a:schemeClr>
+                    </a:solidFill>
+                    <a:effectLst/>
+                    <a:uFillTx/>
+                    <a:latin typeface="Helvetica Neue Bold Condensed"/>
+                    <a:ea typeface="Helvetica Neue Bold Condensed"/>
+                    <a:cs typeface="Helvetica Neue Bold Condensed"/>
+                    <a:sym typeface="Helvetica Neue Bold Condensed"/>
+                  </a:rPr>
+                  <a:t>10</a:t>
+                </a:r>
+                <a:r>
+                  <a:rPr kumimoji="0" lang="zh-TW" altLang="en-US" sz="1200" b="0" i="0" u="none" strike="noStrike" cap="none" spc="0" normalizeH="0" baseline="0" dirty="0">
+                    <a:ln>
+                      <a:noFill/>
+                    </a:ln>
+                    <a:solidFill>
+                      <a:schemeClr val="tx1">
+                        <a:alpha val="15000"/>
+                      </a:schemeClr>
+                    </a:solidFill>
+                    <a:effectLst/>
+                    <a:uFillTx/>
+                    <a:sym typeface="Helvetica Neue Bold Condensed"/>
+                  </a:rPr>
+                  <a:t>程式中</a:t>
+                </a:r>
+                <a:endParaRPr sz="1400" dirty="0">
+                  <a:solidFill>
+                    <a:schemeClr val="tx1">
+                      <a:alpha val="15000"/>
+                    </a:schemeClr>
+                  </a:solidFill>
+                </a:endParaRPr>
+              </a:p>
+            </p:txBody>
+          </p:sp>
+        </p:grpSp>
+      </p:grpSp>
     </p:spTree>
     <p:extLst>
       <p:ext uri="{BB962C8B-B14F-4D97-AF65-F5344CB8AC3E}">
         <p14:creationId xmlns:p14="http://schemas.microsoft.com/office/powerpoint/2010/main" val="183130151"/>
-      </p:ext>
-    </p:extLst>
-  </p:cSld>
-  <p:clrMapOvr>
-    <a:masterClrMapping/>
-  </p:clrMapOvr>
-</p:sld>
-</file>
-
-<file path=ppt/slides/slide3.xml><?xml version="1.0" encoding="utf-8"?>
-<p:sld xmlns:a="http://schemas.openxmlformats.org/drawingml/2006/main" xmlns:r="http://schemas.openxmlformats.org/officeDocument/2006/relationships" xmlns:p="http://schemas.openxmlformats.org/presentationml/2006/main">
-  <p:cSld>
-    <p:spTree>
-      <p:nvGrpSpPr>
-        <p:cNvPr id="1" name=""/>
-        <p:cNvGrpSpPr/>
-        <p:nvPr/>
-      </p:nvGrpSpPr>
-      <p:grpSpPr>
-        <a:xfrm>
-          <a:off x="0" y="0"/>
-          <a:ext cx="0" cy="0"/>
-          <a:chOff x="0" y="0"/>
-          <a:chExt cx="0" cy="0"/>
-        </a:xfrm>
-      </p:grpSpPr>
-      <p:pic>
-        <p:nvPicPr>
-          <p:cNvPr id="3" name="Picture 2">
-            <a:extLst>
-              <a:ext uri="{FF2B5EF4-FFF2-40B4-BE49-F238E27FC236}">
-                <a16:creationId xmlns:a16="http://schemas.microsoft.com/office/drawing/2014/main" id="{05C8A527-C13C-954D-8965-1DF959864ECF}"/>
-              </a:ext>
-            </a:extLst>
-          </p:cNvPr>
-          <p:cNvPicPr>
-            <a:picLocks noChangeAspect="1"/>
-          </p:cNvPicPr>
-          <p:nvPr/>
-        </p:nvPicPr>
-        <p:blipFill>
-          <a:blip r:embed="rId2"/>
-          <a:stretch>
-            <a:fillRect/>
-          </a:stretch>
-        </p:blipFill>
-        <p:spPr>
-          <a:xfrm>
-            <a:off x="2054429" y="1444532"/>
-            <a:ext cx="3073613" cy="2884951"/>
-          </a:xfrm>
-          <a:prstGeom prst="rect">
-            <a:avLst/>
-          </a:prstGeom>
-        </p:spPr>
-      </p:pic>
-      <p:pic>
-        <p:nvPicPr>
-          <p:cNvPr id="5" name="Picture 4">
-            <a:extLst>
-              <a:ext uri="{FF2B5EF4-FFF2-40B4-BE49-F238E27FC236}">
-                <a16:creationId xmlns:a16="http://schemas.microsoft.com/office/drawing/2014/main" id="{F7C9B555-3C24-2B44-A14A-C0448EDFACC9}"/>
-              </a:ext>
-            </a:extLst>
-          </p:cNvPr>
-          <p:cNvPicPr>
-            <a:picLocks noChangeAspect="1"/>
-          </p:cNvPicPr>
-          <p:nvPr/>
-        </p:nvPicPr>
-        <p:blipFill>
-          <a:blip r:embed="rId3"/>
-          <a:stretch>
-            <a:fillRect/>
-          </a:stretch>
-        </p:blipFill>
-        <p:spPr>
-          <a:xfrm>
-            <a:off x="6824630" y="1452393"/>
-            <a:ext cx="2963560" cy="2877090"/>
-          </a:xfrm>
-          <a:prstGeom prst="rect">
-            <a:avLst/>
-          </a:prstGeom>
-        </p:spPr>
-      </p:pic>
-      <p:sp>
-        <p:nvSpPr>
-          <p:cNvPr id="6" name="Rounded Rectangle 5">
-            <a:extLst>
-              <a:ext uri="{FF2B5EF4-FFF2-40B4-BE49-F238E27FC236}">
-                <a16:creationId xmlns:a16="http://schemas.microsoft.com/office/drawing/2014/main" id="{DB418ABE-16DE-5540-BEB6-64104F3BE124}"/>
-              </a:ext>
-            </a:extLst>
-          </p:cNvPr>
-          <p:cNvSpPr/>
-          <p:nvPr/>
-        </p:nvSpPr>
-        <p:spPr>
-          <a:xfrm>
-            <a:off x="3153999" y="4566903"/>
-            <a:ext cx="1222744" cy="353683"/>
-          </a:xfrm>
-          <a:prstGeom prst="roundRect">
-            <a:avLst/>
-          </a:prstGeom>
-          <a:solidFill>
-            <a:srgbClr val="D2A66C"/>
-          </a:solidFill>
-          <a:ln w="12700" cap="flat" cmpd="sng" algn="ctr">
-            <a:noFill/>
-            <a:prstDash val="solid"/>
-            <a:miter lim="800000"/>
-          </a:ln>
-          <a:effectLst/>
-        </p:spPr>
-        <p:txBody>
-          <a:bodyPr rtlCol="0" anchor="ctr"/>
-          <a:lstStyle/>
-          <a:p>
-            <a:pPr marL="0" marR="0" lvl="0" indent="0" algn="ctr" defTabSz="914377" eaLnBrk="1" fontAlgn="auto" latinLnBrk="0" hangingPunct="1">
-              <a:lnSpc>
-                <a:spcPct val="130000"/>
-              </a:lnSpc>
-              <a:spcBef>
-                <a:spcPts val="0"/>
-              </a:spcBef>
-              <a:spcAft>
-                <a:spcPts val="0"/>
-              </a:spcAft>
-              <a:buClrTx/>
-              <a:buSzTx/>
-              <a:buFontTx/>
-              <a:buNone/>
-              <a:tabLst/>
-              <a:defRPr/>
-            </a:pPr>
-            <a:r>
-              <a:rPr lang="en-TW" sz="1400" kern="0" dirty="0">
-                <a:solidFill>
-                  <a:srgbClr val="FFFFFF"/>
-                </a:solidFill>
-                <a:latin typeface="微软雅黑" panose="020B0503020204020204" pitchFamily="34" charset="-122"/>
-                <a:ea typeface="微软雅黑" panose="020B0503020204020204" pitchFamily="34" charset="-122"/>
-              </a:rPr>
-              <a:t>真實分類</a:t>
-            </a:r>
-            <a:endParaRPr kumimoji="0" lang="en-TW" sz="1400" b="0" i="0" u="none" strike="noStrike" kern="0" cap="none" spc="0" normalizeH="0" baseline="0" noProof="0" dirty="0">
-              <a:ln>
-                <a:noFill/>
-              </a:ln>
-              <a:solidFill>
-                <a:srgbClr val="FFFFFF"/>
-              </a:solidFill>
-              <a:effectLst/>
-              <a:uLnTx/>
-              <a:uFillTx/>
-              <a:latin typeface="微软雅黑" panose="020B0503020204020204" pitchFamily="34" charset="-122"/>
-              <a:ea typeface="微软雅黑" panose="020B0503020204020204" pitchFamily="34" charset="-122"/>
-              <a:cs typeface="+mn-cs"/>
-            </a:endParaRPr>
-          </a:p>
-        </p:txBody>
-      </p:sp>
-      <p:sp>
-        <p:nvSpPr>
-          <p:cNvPr id="7" name="Rounded Rectangle 6">
-            <a:extLst>
-              <a:ext uri="{FF2B5EF4-FFF2-40B4-BE49-F238E27FC236}">
-                <a16:creationId xmlns:a16="http://schemas.microsoft.com/office/drawing/2014/main" id="{D7520BDA-FAC7-2145-AB4E-1221D831E922}"/>
-              </a:ext>
-            </a:extLst>
-          </p:cNvPr>
-          <p:cNvSpPr/>
-          <p:nvPr/>
-        </p:nvSpPr>
-        <p:spPr>
-          <a:xfrm>
-            <a:off x="7889720" y="4566904"/>
-            <a:ext cx="1222744" cy="353683"/>
-          </a:xfrm>
-          <a:prstGeom prst="roundRect">
-            <a:avLst/>
-          </a:prstGeom>
-          <a:solidFill>
-            <a:srgbClr val="D2A66C"/>
-          </a:solidFill>
-          <a:ln w="12700" cap="flat" cmpd="sng" algn="ctr">
-            <a:noFill/>
-            <a:prstDash val="solid"/>
-            <a:miter lim="800000"/>
-          </a:ln>
-          <a:effectLst/>
-        </p:spPr>
-        <p:txBody>
-          <a:bodyPr rtlCol="0" anchor="ctr"/>
-          <a:lstStyle/>
-          <a:p>
-            <a:pPr marL="0" marR="0" lvl="0" indent="0" algn="ctr" defTabSz="914377" eaLnBrk="1" fontAlgn="auto" latinLnBrk="0" hangingPunct="1">
-              <a:lnSpc>
-                <a:spcPct val="130000"/>
-              </a:lnSpc>
-              <a:spcBef>
-                <a:spcPts val="0"/>
-              </a:spcBef>
-              <a:spcAft>
-                <a:spcPts val="0"/>
-              </a:spcAft>
-              <a:buClrTx/>
-              <a:buSzTx/>
-              <a:buFontTx/>
-              <a:buNone/>
-              <a:tabLst/>
-              <a:defRPr/>
-            </a:pPr>
-            <a:r>
-              <a:rPr kumimoji="0" lang="zh-TW" altLang="en-US" sz="1400" b="0" i="0" u="none" strike="noStrike" kern="0" cap="none" spc="0" normalizeH="0" baseline="0" noProof="0" dirty="0">
-                <a:ln>
-                  <a:noFill/>
-                </a:ln>
-                <a:solidFill>
-                  <a:srgbClr val="FFFFFF"/>
-                </a:solidFill>
-                <a:effectLst/>
-                <a:uLnTx/>
-                <a:uFillTx/>
-                <a:latin typeface="Arial"/>
-                <a:ea typeface="微软雅黑"/>
-                <a:cs typeface="+mn-cs"/>
-              </a:rPr>
-              <a:t>模型預測</a:t>
-            </a:r>
-            <a:endParaRPr kumimoji="0" lang="en-TW" sz="1400" b="0" i="0" u="none" strike="noStrike" kern="0" cap="none" spc="0" normalizeH="0" baseline="0" noProof="0" dirty="0">
-              <a:ln>
-                <a:noFill/>
-              </a:ln>
-              <a:solidFill>
-                <a:srgbClr val="FFFFFF"/>
-              </a:solidFill>
-              <a:effectLst/>
-              <a:uLnTx/>
-              <a:uFillTx/>
-              <a:latin typeface="微软雅黑" panose="020B0503020204020204" pitchFamily="34" charset="-122"/>
-              <a:ea typeface="微软雅黑" panose="020B0503020204020204" pitchFamily="34" charset="-122"/>
-              <a:cs typeface="+mn-cs"/>
-            </a:endParaRPr>
-          </a:p>
-        </p:txBody>
-      </p:sp>
-    </p:spTree>
-    <p:extLst>
-      <p:ext uri="{BB962C8B-B14F-4D97-AF65-F5344CB8AC3E}">
-        <p14:creationId xmlns:p14="http://schemas.microsoft.com/office/powerpoint/2010/main" val="2183745430"/>
       </p:ext>
     </p:extLst>
   </p:cSld>
@@ -4677,6 +6114,806 @@
       </p:grpSpPr>
       <p:pic>
         <p:nvPicPr>
+          <p:cNvPr id="3" name="Picture 2">
+            <a:extLst>
+              <a:ext uri="{FF2B5EF4-FFF2-40B4-BE49-F238E27FC236}">
+                <a16:creationId xmlns:a16="http://schemas.microsoft.com/office/drawing/2014/main" id="{05C8A527-C13C-954D-8965-1DF959864ECF}"/>
+              </a:ext>
+            </a:extLst>
+          </p:cNvPr>
+          <p:cNvPicPr>
+            <a:picLocks noChangeAspect="1"/>
+          </p:cNvPicPr>
+          <p:nvPr/>
+        </p:nvPicPr>
+        <p:blipFill>
+          <a:blip r:embed="rId2"/>
+          <a:stretch>
+            <a:fillRect/>
+          </a:stretch>
+        </p:blipFill>
+        <p:spPr>
+          <a:xfrm>
+            <a:off x="2054429" y="1444532"/>
+            <a:ext cx="3073613" cy="2884951"/>
+          </a:xfrm>
+          <a:prstGeom prst="rect">
+            <a:avLst/>
+          </a:prstGeom>
+        </p:spPr>
+      </p:pic>
+      <p:pic>
+        <p:nvPicPr>
+          <p:cNvPr id="5" name="Picture 4">
+            <a:extLst>
+              <a:ext uri="{FF2B5EF4-FFF2-40B4-BE49-F238E27FC236}">
+                <a16:creationId xmlns:a16="http://schemas.microsoft.com/office/drawing/2014/main" id="{F7C9B555-3C24-2B44-A14A-C0448EDFACC9}"/>
+              </a:ext>
+            </a:extLst>
+          </p:cNvPr>
+          <p:cNvPicPr>
+            <a:picLocks noChangeAspect="1"/>
+          </p:cNvPicPr>
+          <p:nvPr/>
+        </p:nvPicPr>
+        <p:blipFill>
+          <a:blip r:embed="rId3"/>
+          <a:stretch>
+            <a:fillRect/>
+          </a:stretch>
+        </p:blipFill>
+        <p:spPr>
+          <a:xfrm>
+            <a:off x="6824630" y="1452393"/>
+            <a:ext cx="2963560" cy="2877090"/>
+          </a:xfrm>
+          <a:prstGeom prst="rect">
+            <a:avLst/>
+          </a:prstGeom>
+        </p:spPr>
+      </p:pic>
+      <p:sp>
+        <p:nvSpPr>
+          <p:cNvPr id="6" name="Rounded Rectangle 5">
+            <a:extLst>
+              <a:ext uri="{FF2B5EF4-FFF2-40B4-BE49-F238E27FC236}">
+                <a16:creationId xmlns:a16="http://schemas.microsoft.com/office/drawing/2014/main" id="{DB418ABE-16DE-5540-BEB6-64104F3BE124}"/>
+              </a:ext>
+            </a:extLst>
+          </p:cNvPr>
+          <p:cNvSpPr/>
+          <p:nvPr/>
+        </p:nvSpPr>
+        <p:spPr>
+          <a:xfrm>
+            <a:off x="3153999" y="4566903"/>
+            <a:ext cx="1222744" cy="353683"/>
+          </a:xfrm>
+          <a:prstGeom prst="roundRect">
+            <a:avLst/>
+          </a:prstGeom>
+          <a:solidFill>
+            <a:srgbClr val="D2A66C"/>
+          </a:solidFill>
+          <a:ln w="12700" cap="flat" cmpd="sng" algn="ctr">
+            <a:noFill/>
+            <a:prstDash val="solid"/>
+            <a:miter lim="800000"/>
+          </a:ln>
+          <a:effectLst/>
+        </p:spPr>
+        <p:txBody>
+          <a:bodyPr rtlCol="0" anchor="ctr"/>
+          <a:lstStyle/>
+          <a:p>
+            <a:pPr marL="0" marR="0" lvl="0" indent="0" algn="ctr" defTabSz="914377" eaLnBrk="1" fontAlgn="auto" latinLnBrk="0" hangingPunct="1">
+              <a:lnSpc>
+                <a:spcPct val="130000"/>
+              </a:lnSpc>
+              <a:spcBef>
+                <a:spcPts val="0"/>
+              </a:spcBef>
+              <a:spcAft>
+                <a:spcPts val="0"/>
+              </a:spcAft>
+              <a:buClrTx/>
+              <a:buSzTx/>
+              <a:buFontTx/>
+              <a:buNone/>
+              <a:tabLst/>
+              <a:defRPr/>
+            </a:pPr>
+            <a:r>
+              <a:rPr lang="en-TW" sz="1400" kern="0" dirty="0">
+                <a:solidFill>
+                  <a:srgbClr val="FFFFFF"/>
+                </a:solidFill>
+                <a:latin typeface="微软雅黑" panose="020B0503020204020204" pitchFamily="34" charset="-122"/>
+                <a:ea typeface="微软雅黑" panose="020B0503020204020204" pitchFamily="34" charset="-122"/>
+              </a:rPr>
+              <a:t>真實分類</a:t>
+            </a:r>
+            <a:endParaRPr kumimoji="0" lang="en-TW" sz="1400" b="0" i="0" u="none" strike="noStrike" kern="0" cap="none" spc="0" normalizeH="0" baseline="0" noProof="0" dirty="0">
+              <a:ln>
+                <a:noFill/>
+              </a:ln>
+              <a:solidFill>
+                <a:srgbClr val="FFFFFF"/>
+              </a:solidFill>
+              <a:effectLst/>
+              <a:uLnTx/>
+              <a:uFillTx/>
+              <a:latin typeface="微软雅黑" panose="020B0503020204020204" pitchFamily="34" charset="-122"/>
+              <a:ea typeface="微软雅黑" panose="020B0503020204020204" pitchFamily="34" charset="-122"/>
+              <a:cs typeface="+mn-cs"/>
+            </a:endParaRPr>
+          </a:p>
+        </p:txBody>
+      </p:sp>
+      <p:sp>
+        <p:nvSpPr>
+          <p:cNvPr id="7" name="Rounded Rectangle 6">
+            <a:extLst>
+              <a:ext uri="{FF2B5EF4-FFF2-40B4-BE49-F238E27FC236}">
+                <a16:creationId xmlns:a16="http://schemas.microsoft.com/office/drawing/2014/main" id="{D7520BDA-FAC7-2145-AB4E-1221D831E922}"/>
+              </a:ext>
+            </a:extLst>
+          </p:cNvPr>
+          <p:cNvSpPr/>
+          <p:nvPr/>
+        </p:nvSpPr>
+        <p:spPr>
+          <a:xfrm>
+            <a:off x="7889720" y="4566904"/>
+            <a:ext cx="1222744" cy="353683"/>
+          </a:xfrm>
+          <a:prstGeom prst="roundRect">
+            <a:avLst/>
+          </a:prstGeom>
+          <a:solidFill>
+            <a:srgbClr val="D2A66C"/>
+          </a:solidFill>
+          <a:ln w="12700" cap="flat" cmpd="sng" algn="ctr">
+            <a:noFill/>
+            <a:prstDash val="solid"/>
+            <a:miter lim="800000"/>
+          </a:ln>
+          <a:effectLst/>
+        </p:spPr>
+        <p:txBody>
+          <a:bodyPr rtlCol="0" anchor="ctr"/>
+          <a:lstStyle/>
+          <a:p>
+            <a:pPr marL="0" marR="0" lvl="0" indent="0" algn="ctr" defTabSz="914377" eaLnBrk="1" fontAlgn="auto" latinLnBrk="0" hangingPunct="1">
+              <a:lnSpc>
+                <a:spcPct val="130000"/>
+              </a:lnSpc>
+              <a:spcBef>
+                <a:spcPts val="0"/>
+              </a:spcBef>
+              <a:spcAft>
+                <a:spcPts val="0"/>
+              </a:spcAft>
+              <a:buClrTx/>
+              <a:buSzTx/>
+              <a:buFontTx/>
+              <a:buNone/>
+              <a:tabLst/>
+              <a:defRPr/>
+            </a:pPr>
+            <a:r>
+              <a:rPr kumimoji="0" lang="zh-TW" altLang="en-US" sz="1400" b="0" i="0" u="none" strike="noStrike" kern="0" cap="none" spc="0" normalizeH="0" baseline="0" noProof="0" dirty="0">
+                <a:ln>
+                  <a:noFill/>
+                </a:ln>
+                <a:solidFill>
+                  <a:srgbClr val="FFFFFF"/>
+                </a:solidFill>
+                <a:effectLst/>
+                <a:uLnTx/>
+                <a:uFillTx/>
+                <a:latin typeface="Arial"/>
+                <a:ea typeface="微软雅黑"/>
+                <a:cs typeface="+mn-cs"/>
+              </a:rPr>
+              <a:t>模型預測</a:t>
+            </a:r>
+            <a:endParaRPr kumimoji="0" lang="en-TW" sz="1400" b="0" i="0" u="none" strike="noStrike" kern="0" cap="none" spc="0" normalizeH="0" baseline="0" noProof="0" dirty="0">
+              <a:ln>
+                <a:noFill/>
+              </a:ln>
+              <a:solidFill>
+                <a:srgbClr val="FFFFFF"/>
+              </a:solidFill>
+              <a:effectLst/>
+              <a:uLnTx/>
+              <a:uFillTx/>
+              <a:latin typeface="微软雅黑" panose="020B0503020204020204" pitchFamily="34" charset="-122"/>
+              <a:ea typeface="微软雅黑" panose="020B0503020204020204" pitchFamily="34" charset="-122"/>
+              <a:cs typeface="+mn-cs"/>
+            </a:endParaRPr>
+          </a:p>
+        </p:txBody>
+      </p:sp>
+      <p:grpSp>
+        <p:nvGrpSpPr>
+          <p:cNvPr id="8" name="Group 7">
+            <a:extLst>
+              <a:ext uri="{FF2B5EF4-FFF2-40B4-BE49-F238E27FC236}">
+                <a16:creationId xmlns:a16="http://schemas.microsoft.com/office/drawing/2014/main" id="{4D987D76-B959-134D-9243-34972A8A0410}"/>
+              </a:ext>
+            </a:extLst>
+          </p:cNvPr>
+          <p:cNvGrpSpPr>
+            <a:grpSpLocks noChangeAspect="1"/>
+          </p:cNvGrpSpPr>
+          <p:nvPr/>
+        </p:nvGrpSpPr>
+        <p:grpSpPr>
+          <a:xfrm>
+            <a:off x="2596858" y="4650524"/>
+            <a:ext cx="6998283" cy="1275458"/>
+            <a:chOff x="3360126" y="3971848"/>
+            <a:chExt cx="5764444" cy="1050587"/>
+          </a:xfrm>
+        </p:grpSpPr>
+        <p:grpSp>
+          <p:nvGrpSpPr>
+            <p:cNvPr id="9" name="Group 8">
+              <a:extLst>
+                <a:ext uri="{FF2B5EF4-FFF2-40B4-BE49-F238E27FC236}">
+                  <a16:creationId xmlns:a16="http://schemas.microsoft.com/office/drawing/2014/main" id="{FFB05D22-8E61-8343-97CB-F4434D820922}"/>
+                </a:ext>
+              </a:extLst>
+            </p:cNvPr>
+            <p:cNvGrpSpPr/>
+            <p:nvPr/>
+          </p:nvGrpSpPr>
+          <p:grpSpPr>
+            <a:xfrm>
+              <a:off x="3360126" y="4324980"/>
+              <a:ext cx="2735874" cy="328935"/>
+              <a:chOff x="7237110" y="4273903"/>
+              <a:chExt cx="2735874" cy="328935"/>
+            </a:xfrm>
+          </p:grpSpPr>
+          <p:sp>
+            <p:nvSpPr>
+              <p:cNvPr id="14" name="Intelligent Information Retrieval Laboratory">
+                <a:extLst>
+                  <a:ext uri="{FF2B5EF4-FFF2-40B4-BE49-F238E27FC236}">
+                    <a16:creationId xmlns:a16="http://schemas.microsoft.com/office/drawing/2014/main" id="{BCF6401C-0196-5E42-8C58-411104DDCDC3}"/>
+                  </a:ext>
+                </a:extLst>
+              </p:cNvPr>
+              <p:cNvSpPr txBox="1"/>
+              <p:nvPr/>
+            </p:nvSpPr>
+            <p:spPr>
+              <a:xfrm>
+                <a:off x="7237110" y="4273903"/>
+                <a:ext cx="2590800" cy="328935"/>
+              </a:xfrm>
+              <a:prstGeom prst="rect">
+                <a:avLst/>
+              </a:prstGeom>
+              <a:noFill/>
+              <a:ln w="12700" cap="flat">
+                <a:noFill/>
+                <a:miter lim="400000"/>
+              </a:ln>
+              <a:effectLst/>
+              <a:extLst>
+                <a:ext uri="{C572A759-6A51-4108-AA02-DFA0A04FC94B}">
+                  <ma14:wrappingTextBoxFlag xmlns="" xmlns:m="http://schemas.openxmlformats.org/officeDocument/2006/math" xmlns:a14="http://schemas.microsoft.com/office/drawing/2010/main" xmlns:ma14="http://schemas.microsoft.com/office/mac/drawingml/2011/main" val="1"/>
+                </a:ext>
+              </a:extLst>
+            </p:spPr>
+            <p:txBody>
+              <a:bodyPr wrap="square" lIns="71437" tIns="71437" rIns="71437" bIns="71437" numCol="1" anchor="ctr">
+                <a:spAutoFit/>
+              </a:bodyPr>
+              <a:lstStyle>
+                <a:lvl1pPr algn="l" defTabSz="821531">
+                  <a:defRPr sz="2400" b="0">
+                    <a:solidFill>
+                      <a:srgbClr val="FFFFFF"/>
+                    </a:solidFill>
+                    <a:latin typeface="Helvetica Neue Bold Condensed"/>
+                    <a:ea typeface="Helvetica Neue Bold Condensed"/>
+                    <a:cs typeface="Helvetica Neue Bold Condensed"/>
+                    <a:sym typeface="Helvetica Neue Bold Condensed"/>
+                  </a:defRPr>
+                </a:lvl1pPr>
+              </a:lstStyle>
+              <a:p>
+                <a:r>
+                  <a:rPr kumimoji="0" lang="zh-TW" altLang="en-US" sz="1050" b="0" i="0" u="none" strike="noStrike" cap="none" spc="0" normalizeH="0" baseline="0" dirty="0">
+                    <a:ln>
+                      <a:noFill/>
+                    </a:ln>
+                    <a:solidFill>
+                      <a:schemeClr val="tx1">
+                        <a:alpha val="15000"/>
+                      </a:schemeClr>
+                    </a:solidFill>
+                    <a:effectLst/>
+                    <a:uFillTx/>
+                    <a:latin typeface="Helvetica Neue Bold Condensed"/>
+                    <a:ea typeface="Helvetica Neue Bold Condensed"/>
+                    <a:cs typeface="Helvetica Neue Bold Condensed"/>
+                    <a:sym typeface="Helvetica Neue Bold Condensed"/>
+                  </a:rPr>
+                  <a:t>第</a:t>
+                </a:r>
+                <a:r>
+                  <a:rPr kumimoji="0" lang="en-US" altLang="zh-TW" sz="1050" b="0" i="0" u="none" strike="noStrike" cap="none" spc="0" normalizeH="0" baseline="0" dirty="0">
+                    <a:ln>
+                      <a:noFill/>
+                    </a:ln>
+                    <a:solidFill>
+                      <a:schemeClr val="tx1">
+                        <a:alpha val="15000"/>
+                      </a:schemeClr>
+                    </a:solidFill>
+                    <a:effectLst/>
+                    <a:uFillTx/>
+                    <a:latin typeface="Helvetica Neue Bold Condensed"/>
+                    <a:ea typeface="Helvetica Neue Bold Condensed"/>
+                    <a:cs typeface="Helvetica Neue Bold Condensed"/>
+                    <a:sym typeface="Helvetica Neue Bold Condensed"/>
+                  </a:rPr>
+                  <a:t>13</a:t>
+                </a:r>
+                <a:r>
+                  <a:rPr kumimoji="0" lang="zh-TW" altLang="en-US" sz="1050" b="0" i="0" u="none" strike="noStrike" cap="none" spc="0" normalizeH="0" baseline="0" dirty="0">
+                    <a:ln>
+                      <a:noFill/>
+                    </a:ln>
+                    <a:solidFill>
+                      <a:schemeClr val="tx1">
+                        <a:alpha val="15000"/>
+                      </a:schemeClr>
+                    </a:solidFill>
+                    <a:effectLst/>
+                    <a:uFillTx/>
+                    <a:latin typeface="Helvetica Neue Bold Condensed"/>
+                    <a:ea typeface="Helvetica Neue Bold Condensed"/>
+                    <a:cs typeface="Helvetica Neue Bold Condensed"/>
+                    <a:sym typeface="Helvetica Neue Bold Condensed"/>
+                  </a:rPr>
+                  <a:t>屆 </a:t>
+                </a:r>
+                <a:r>
+                  <a:rPr kumimoji="0" lang="en-US" sz="1200" b="0" i="0" u="none" strike="noStrike" cap="none" spc="0" normalizeH="0" baseline="0" dirty="0">
+                    <a:ln>
+                      <a:noFill/>
+                    </a:ln>
+                    <a:solidFill>
+                      <a:schemeClr val="tx1">
+                        <a:alpha val="15000"/>
+                      </a:schemeClr>
+                    </a:solidFill>
+                    <a:effectLst/>
+                    <a:uFillTx/>
+                    <a:latin typeface="Helvetica Neue Bold Condensed"/>
+                    <a:ea typeface="Helvetica Neue Bold Condensed"/>
+                    <a:cs typeface="Helvetica Neue Bold Condensed"/>
+                    <a:sym typeface="Helvetica Neue Bold Condensed"/>
+                  </a:rPr>
+                  <a:t>iT</a:t>
+                </a:r>
+                <a:r>
+                  <a:rPr kumimoji="0" lang="zh-TW" altLang="en-US" sz="1100" b="0" i="0" u="none" strike="noStrike" cap="none" spc="0" normalizeH="0" baseline="0" dirty="0">
+                    <a:ln>
+                      <a:noFill/>
+                    </a:ln>
+                    <a:solidFill>
+                      <a:schemeClr val="tx1">
+                        <a:alpha val="15000"/>
+                      </a:schemeClr>
+                    </a:solidFill>
+                    <a:effectLst/>
+                    <a:uFillTx/>
+                    <a:latin typeface="Helvetica Neue Bold Condensed"/>
+                    <a:ea typeface="Helvetica Neue Bold Condensed"/>
+                    <a:cs typeface="Helvetica Neue Bold Condensed"/>
+                    <a:sym typeface="Helvetica Neue Bold Condensed"/>
+                  </a:rPr>
+                  <a:t>邦</a:t>
+                </a:r>
+                <a:r>
+                  <a:rPr kumimoji="0" lang="zh-TW" altLang="en-US" sz="1000" b="0" i="0" u="none" strike="noStrike" cap="none" spc="0" normalizeH="0" baseline="0" dirty="0">
+                    <a:ln>
+                      <a:noFill/>
+                    </a:ln>
+                    <a:solidFill>
+                      <a:schemeClr val="tx1">
+                        <a:alpha val="15000"/>
+                      </a:schemeClr>
+                    </a:solidFill>
+                    <a:effectLst/>
+                    <a:uFillTx/>
+                    <a:latin typeface="Helvetica Neue Bold Condensed"/>
+                    <a:ea typeface="Helvetica Neue Bold Condensed"/>
+                    <a:cs typeface="Helvetica Neue Bold Condensed"/>
+                    <a:sym typeface="Helvetica Neue Bold Condensed"/>
+                  </a:rPr>
+                  <a:t>幫忙</a:t>
+                </a:r>
+                <a:r>
+                  <a:rPr kumimoji="0" lang="zh-TW" altLang="en-US" sz="1100" b="0" i="0" u="none" strike="noStrike" cap="none" spc="0" normalizeH="0" baseline="0" dirty="0">
+                    <a:ln>
+                      <a:noFill/>
+                    </a:ln>
+                    <a:solidFill>
+                      <a:schemeClr val="tx1">
+                        <a:alpha val="15000"/>
+                      </a:schemeClr>
+                    </a:solidFill>
+                    <a:effectLst/>
+                    <a:uFillTx/>
+                    <a:latin typeface="Helvetica Neue Bold Condensed"/>
+                    <a:ea typeface="Helvetica Neue Bold Condensed"/>
+                    <a:cs typeface="Helvetica Neue Bold Condensed"/>
+                    <a:sym typeface="Helvetica Neue Bold Condensed"/>
+                  </a:rPr>
+                  <a:t> 鐵人賽</a:t>
+                </a:r>
+                <a:endParaRPr sz="1100" dirty="0">
+                  <a:solidFill>
+                    <a:schemeClr val="tx1">
+                      <a:alpha val="15000"/>
+                    </a:schemeClr>
+                  </a:solidFill>
+                </a:endParaRPr>
+              </a:p>
+            </p:txBody>
+          </p:sp>
+          <p:sp>
+            <p:nvSpPr>
+              <p:cNvPr id="15" name="Intelligent Information Retrieval Laboratory">
+                <a:extLst>
+                  <a:ext uri="{FF2B5EF4-FFF2-40B4-BE49-F238E27FC236}">
+                    <a16:creationId xmlns:a16="http://schemas.microsoft.com/office/drawing/2014/main" id="{1709A73F-A691-A84E-B43F-D63724A26832}"/>
+                  </a:ext>
+                </a:extLst>
+              </p:cNvPr>
+              <p:cNvSpPr txBox="1"/>
+              <p:nvPr/>
+            </p:nvSpPr>
+            <p:spPr>
+              <a:xfrm>
+                <a:off x="8753784" y="4289292"/>
+                <a:ext cx="1219200" cy="313546"/>
+              </a:xfrm>
+              <a:prstGeom prst="rect">
+                <a:avLst/>
+              </a:prstGeom>
+              <a:noFill/>
+              <a:ln w="12700" cap="flat">
+                <a:noFill/>
+                <a:miter lim="400000"/>
+              </a:ln>
+              <a:effectLst/>
+              <a:extLst>
+                <a:ext uri="{C572A759-6A51-4108-AA02-DFA0A04FC94B}">
+                  <ma14:wrappingTextBoxFlag xmlns="" xmlns:m="http://schemas.openxmlformats.org/officeDocument/2006/math" xmlns:a14="http://schemas.microsoft.com/office/drawing/2010/main" xmlns:ma14="http://schemas.microsoft.com/office/mac/drawingml/2011/main" val="1"/>
+                </a:ext>
+              </a:extLst>
+            </p:spPr>
+            <p:txBody>
+              <a:bodyPr wrap="square" lIns="71437" tIns="71437" rIns="71437" bIns="71437" numCol="1" anchor="ctr">
+                <a:spAutoFit/>
+              </a:bodyPr>
+              <a:lstStyle>
+                <a:lvl1pPr algn="l" defTabSz="821531">
+                  <a:defRPr sz="2400" b="0">
+                    <a:solidFill>
+                      <a:srgbClr val="FFFFFF"/>
+                    </a:solidFill>
+                    <a:latin typeface="Helvetica Neue Bold Condensed"/>
+                    <a:ea typeface="Helvetica Neue Bold Condensed"/>
+                    <a:cs typeface="Helvetica Neue Bold Condensed"/>
+                    <a:sym typeface="Helvetica Neue Bold Condensed"/>
+                  </a:defRPr>
+                </a:lvl1pPr>
+              </a:lstStyle>
+              <a:p>
+                <a:r>
+                  <a:rPr kumimoji="0" lang="en-US" altLang="zh-TW" sz="1050" b="0" i="0" u="none" strike="noStrike" cap="none" spc="0" normalizeH="0" baseline="0" dirty="0">
+                    <a:ln>
+                      <a:noFill/>
+                    </a:ln>
+                    <a:solidFill>
+                      <a:schemeClr val="tx1">
+                        <a:alpha val="15000"/>
+                      </a:schemeClr>
+                    </a:solidFill>
+                    <a:effectLst/>
+                    <a:uFillTx/>
+                    <a:latin typeface="Helvetica Neue Bold Condensed"/>
+                    <a:ea typeface="Helvetica Neue Bold Condensed"/>
+                    <a:cs typeface="Helvetica Neue Bold Condensed"/>
+                    <a:sym typeface="Helvetica Neue Bold Condensed"/>
+                  </a:rPr>
+                  <a:t>AI &amp; Data </a:t>
+                </a:r>
+                <a:r>
+                  <a:rPr kumimoji="0" lang="zh-TW" altLang="en-US" sz="1050" b="0" i="0" u="none" strike="noStrike" cap="none" spc="0" normalizeH="0" baseline="0" dirty="0">
+                    <a:ln>
+                      <a:noFill/>
+                    </a:ln>
+                    <a:solidFill>
+                      <a:schemeClr val="tx1">
+                        <a:alpha val="15000"/>
+                      </a:schemeClr>
+                    </a:solidFill>
+                    <a:effectLst/>
+                    <a:uFillTx/>
+                    <a:latin typeface="Helvetica Neue Bold Condensed"/>
+                    <a:ea typeface="Helvetica Neue Bold Condensed"/>
+                    <a:cs typeface="Helvetica Neue Bold Condensed"/>
+                    <a:sym typeface="Helvetica Neue Bold Condensed"/>
+                  </a:rPr>
+                  <a:t>組</a:t>
+                </a:r>
+                <a:endParaRPr sz="1100" dirty="0">
+                  <a:solidFill>
+                    <a:schemeClr val="tx1">
+                      <a:alpha val="15000"/>
+                    </a:schemeClr>
+                  </a:solidFill>
+                </a:endParaRPr>
+              </a:p>
+            </p:txBody>
+          </p:sp>
+        </p:grpSp>
+        <p:grpSp>
+          <p:nvGrpSpPr>
+            <p:cNvPr id="10" name="Group 9">
+              <a:extLst>
+                <a:ext uri="{FF2B5EF4-FFF2-40B4-BE49-F238E27FC236}">
+                  <a16:creationId xmlns:a16="http://schemas.microsoft.com/office/drawing/2014/main" id="{B45EF554-6327-0B48-B2BF-F66E00930C14}"/>
+                </a:ext>
+              </a:extLst>
+            </p:cNvPr>
+            <p:cNvGrpSpPr/>
+            <p:nvPr/>
+          </p:nvGrpSpPr>
+          <p:grpSpPr>
+            <a:xfrm>
+              <a:off x="7247835" y="3971848"/>
+              <a:ext cx="1876735" cy="1050587"/>
+              <a:chOff x="3891792" y="3940042"/>
+              <a:chExt cx="1876735" cy="1050587"/>
+            </a:xfrm>
+          </p:grpSpPr>
+          <p:pic>
+            <p:nvPicPr>
+              <p:cNvPr id="11" name="Picture 10">
+                <a:extLst>
+                  <a:ext uri="{FF2B5EF4-FFF2-40B4-BE49-F238E27FC236}">
+                    <a16:creationId xmlns:a16="http://schemas.microsoft.com/office/drawing/2014/main" id="{B8FE960D-7AA6-E24D-BFBC-478E2231E0EF}"/>
+                  </a:ext>
+                </a:extLst>
+              </p:cNvPr>
+              <p:cNvPicPr>
+                <a:picLocks noChangeAspect="1" noChangeArrowheads="1"/>
+              </p:cNvPicPr>
+              <p:nvPr/>
+            </p:nvPicPr>
+            <p:blipFill>
+              <a:blip r:embed="rId4">
+                <a:duotone>
+                  <a:prstClr val="black"/>
+                  <a:schemeClr val="tx1">
+                    <a:tint val="45000"/>
+                    <a:satMod val="400000"/>
+                  </a:schemeClr>
+                </a:duotone>
+                <a:alphaModFix amt="20000"/>
+              </a:blip>
+              <a:srcRect/>
+              <a:stretch/>
+            </p:blipFill>
+            <p:spPr bwMode="auto">
+              <a:xfrm>
+                <a:off x="4489805" y="3940042"/>
+                <a:ext cx="1050587" cy="1050587"/>
+              </a:xfrm>
+              <a:prstGeom prst="rect">
+                <a:avLst/>
+              </a:prstGeom>
+              <a:noFill/>
+              <a:extLst>
+                <a:ext uri="{909E8E84-426E-40DD-AFC4-6F175D3DCCD1}">
+                  <a14:hiddenFill xmlns:a14="http://schemas.microsoft.com/office/drawing/2010/main">
+                    <a:solidFill>
+                      <a:srgbClr val="FFFFFF"/>
+                    </a:solidFill>
+                  </a14:hiddenFill>
+                </a:ext>
+              </a:extLst>
+            </p:spPr>
+          </p:pic>
+          <p:pic>
+            <p:nvPicPr>
+              <p:cNvPr id="12" name="Picture 4" descr="Youtube logo | Logok">
+                <a:extLst>
+                  <a:ext uri="{FF2B5EF4-FFF2-40B4-BE49-F238E27FC236}">
+                    <a16:creationId xmlns:a16="http://schemas.microsoft.com/office/drawing/2014/main" id="{FB8EBE69-D63C-A54D-A922-DB443E1DB3D4}"/>
+                  </a:ext>
+                </a:extLst>
+              </p:cNvPr>
+              <p:cNvPicPr>
+                <a:picLocks noChangeAspect="1" noChangeArrowheads="1"/>
+              </p:cNvPicPr>
+              <p:nvPr/>
+            </p:nvPicPr>
+            <p:blipFill>
+              <a:blip r:embed="rId5">
+                <a:alphaModFix amt="20000"/>
+                <a:extLst>
+                  <a:ext uri="{28A0092B-C50C-407E-A947-70E740481C1C}">
+                    <a14:useLocalDpi xmlns:a14="http://schemas.microsoft.com/office/drawing/2010/main" val="0"/>
+                  </a:ext>
+                </a:extLst>
+              </a:blip>
+              <a:srcRect/>
+              <a:stretch>
+                <a:fillRect/>
+              </a:stretch>
+            </p:blipFill>
+            <p:spPr bwMode="auto">
+              <a:xfrm>
+                <a:off x="3891792" y="4187926"/>
+                <a:ext cx="739756" cy="554817"/>
+              </a:xfrm>
+              <a:prstGeom prst="rect">
+                <a:avLst/>
+              </a:prstGeom>
+              <a:noFill/>
+              <a:extLst>
+                <a:ext uri="{909E8E84-426E-40DD-AFC4-6F175D3DCCD1}">
+                  <a14:hiddenFill xmlns:a14="http://schemas.microsoft.com/office/drawing/2010/main">
+                    <a:solidFill>
+                      <a:srgbClr val="FFFFFF"/>
+                    </a:solidFill>
+                  </a14:hiddenFill>
+                </a:ext>
+              </a:extLst>
+            </p:spPr>
+          </p:pic>
+          <p:sp>
+            <p:nvSpPr>
+              <p:cNvPr id="13" name="Intelligent Information Retrieval Laboratory">
+                <a:extLst>
+                  <a:ext uri="{FF2B5EF4-FFF2-40B4-BE49-F238E27FC236}">
+                    <a16:creationId xmlns:a16="http://schemas.microsoft.com/office/drawing/2014/main" id="{25F57640-050B-B947-B530-33E08D72434F}"/>
+                  </a:ext>
+                </a:extLst>
+              </p:cNvPr>
+              <p:cNvSpPr txBox="1"/>
+              <p:nvPr/>
+            </p:nvSpPr>
+            <p:spPr>
+              <a:xfrm>
+                <a:off x="4549327" y="4308601"/>
+                <a:ext cx="1219200" cy="328935"/>
+              </a:xfrm>
+              <a:prstGeom prst="rect">
+                <a:avLst/>
+              </a:prstGeom>
+              <a:noFill/>
+              <a:ln w="12700" cap="flat">
+                <a:noFill/>
+                <a:miter lim="400000"/>
+              </a:ln>
+              <a:effectLst/>
+              <a:extLst>
+                <a:ext uri="{C572A759-6A51-4108-AA02-DFA0A04FC94B}">
+                  <ma14:wrappingTextBoxFlag xmlns="" xmlns:m="http://schemas.openxmlformats.org/officeDocument/2006/math" xmlns:a14="http://schemas.microsoft.com/office/drawing/2010/main" xmlns:ma14="http://schemas.microsoft.com/office/mac/drawingml/2011/main" val="1"/>
+                </a:ext>
+              </a:extLst>
+            </p:spPr>
+            <p:txBody>
+              <a:bodyPr wrap="square" lIns="71437" tIns="71437" rIns="71437" bIns="71437" numCol="1" anchor="ctr">
+                <a:spAutoFit/>
+              </a:bodyPr>
+              <a:lstStyle>
+                <a:lvl1pPr algn="l" defTabSz="821531">
+                  <a:defRPr sz="2400" b="0">
+                    <a:solidFill>
+                      <a:srgbClr val="FFFFFF"/>
+                    </a:solidFill>
+                    <a:latin typeface="Helvetica Neue Bold Condensed"/>
+                    <a:ea typeface="Helvetica Neue Bold Condensed"/>
+                    <a:cs typeface="Helvetica Neue Bold Condensed"/>
+                    <a:sym typeface="Helvetica Neue Bold Condensed"/>
+                  </a:defRPr>
+                </a:lvl1pPr>
+              </a:lstStyle>
+              <a:p>
+                <a:r>
+                  <a:rPr kumimoji="0" lang="en-US" altLang="zh-TW" sz="1200" b="0" i="0" u="none" strike="noStrike" cap="none" spc="0" normalizeH="0" baseline="0" dirty="0">
+                    <a:ln>
+                      <a:noFill/>
+                    </a:ln>
+                    <a:solidFill>
+                      <a:schemeClr val="tx1">
+                        <a:alpha val="15000"/>
+                      </a:schemeClr>
+                    </a:solidFill>
+                    <a:effectLst/>
+                    <a:uFillTx/>
+                    <a:latin typeface="Helvetica Neue Bold Condensed"/>
+                    <a:ea typeface="Helvetica Neue Bold Condensed"/>
+                    <a:cs typeface="Helvetica Neue Bold Condensed"/>
+                    <a:sym typeface="Helvetica Neue Bold Condensed"/>
+                  </a:rPr>
+                  <a:t>10</a:t>
+                </a:r>
+                <a:r>
+                  <a:rPr kumimoji="0" lang="zh-TW" altLang="en-US" sz="1200" b="0" i="0" u="none" strike="noStrike" cap="none" spc="0" normalizeH="0" baseline="0" dirty="0">
+                    <a:ln>
+                      <a:noFill/>
+                    </a:ln>
+                    <a:solidFill>
+                      <a:schemeClr val="tx1">
+                        <a:alpha val="15000"/>
+                      </a:schemeClr>
+                    </a:solidFill>
+                    <a:effectLst/>
+                    <a:uFillTx/>
+                    <a:sym typeface="Helvetica Neue Bold Condensed"/>
+                  </a:rPr>
+                  <a:t>程式中</a:t>
+                </a:r>
+                <a:endParaRPr sz="1400" dirty="0">
+                  <a:solidFill>
+                    <a:schemeClr val="tx1">
+                      <a:alpha val="15000"/>
+                    </a:schemeClr>
+                  </a:solidFill>
+                </a:endParaRPr>
+              </a:p>
+            </p:txBody>
+          </p:sp>
+        </p:grpSp>
+      </p:grpSp>
+    </p:spTree>
+    <p:extLst>
+      <p:ext uri="{BB962C8B-B14F-4D97-AF65-F5344CB8AC3E}">
+        <p14:creationId xmlns:p14="http://schemas.microsoft.com/office/powerpoint/2010/main" val="2183745430"/>
+      </p:ext>
+    </p:extLst>
+  </p:cSld>
+  <p:clrMapOvr>
+    <a:masterClrMapping/>
+  </p:clrMapOvr>
+</p:sld>
+</file>
+
+<file path=ppt/slides/slide5.xml><?xml version="1.0" encoding="utf-8"?>
+<p:sld xmlns:a="http://schemas.openxmlformats.org/drawingml/2006/main" xmlns:r="http://schemas.openxmlformats.org/officeDocument/2006/relationships" xmlns:p="http://schemas.openxmlformats.org/presentationml/2006/main">
+  <p:cSld>
+    <p:spTree>
+      <p:nvGrpSpPr>
+        <p:cNvPr id="1" name=""/>
+        <p:cNvGrpSpPr/>
+        <p:nvPr/>
+      </p:nvGrpSpPr>
+      <p:grpSpPr>
+        <a:xfrm>
+          <a:off x="0" y="0"/>
+          <a:ext cx="0" cy="0"/>
+          <a:chOff x="0" y="0"/>
+          <a:chExt cx="0" cy="0"/>
+        </a:xfrm>
+      </p:grpSpPr>
+      <p:pic>
+        <p:nvPicPr>
           <p:cNvPr id="5" name="Picture 4">
             <a:extLst>
               <a:ext uri="{FF2B5EF4-FFF2-40B4-BE49-F238E27FC236}">
@@ -4735,6 +6972,547 @@
           </a:prstGeom>
         </p:spPr>
       </p:pic>
+      <p:grpSp>
+        <p:nvGrpSpPr>
+          <p:cNvPr id="4" name="Group 3">
+            <a:extLst>
+              <a:ext uri="{FF2B5EF4-FFF2-40B4-BE49-F238E27FC236}">
+                <a16:creationId xmlns:a16="http://schemas.microsoft.com/office/drawing/2014/main" id="{C526DBF1-8188-2043-8F1E-FE094E83A955}"/>
+              </a:ext>
+            </a:extLst>
+          </p:cNvPr>
+          <p:cNvGrpSpPr>
+            <a:grpSpLocks noChangeAspect="1"/>
+          </p:cNvGrpSpPr>
+          <p:nvPr/>
+        </p:nvGrpSpPr>
+        <p:grpSpPr>
+          <a:xfrm>
+            <a:off x="1509620" y="4518810"/>
+            <a:ext cx="9445134" cy="1721404"/>
+            <a:chOff x="3360126" y="3971848"/>
+            <a:chExt cx="5764444" cy="1050587"/>
+          </a:xfrm>
+        </p:grpSpPr>
+        <p:grpSp>
+          <p:nvGrpSpPr>
+            <p:cNvPr id="6" name="Group 5">
+              <a:extLst>
+                <a:ext uri="{FF2B5EF4-FFF2-40B4-BE49-F238E27FC236}">
+                  <a16:creationId xmlns:a16="http://schemas.microsoft.com/office/drawing/2014/main" id="{CFFC3E56-F438-A546-8319-F0373891065C}"/>
+                </a:ext>
+              </a:extLst>
+            </p:cNvPr>
+            <p:cNvGrpSpPr/>
+            <p:nvPr/>
+          </p:nvGrpSpPr>
+          <p:grpSpPr>
+            <a:xfrm>
+              <a:off x="3360126" y="4370288"/>
+              <a:ext cx="2735874" cy="238320"/>
+              <a:chOff x="7237110" y="4319211"/>
+              <a:chExt cx="2735874" cy="238320"/>
+            </a:xfrm>
+          </p:grpSpPr>
+          <p:sp>
+            <p:nvSpPr>
+              <p:cNvPr id="12" name="Intelligent Information Retrieval Laboratory">
+                <a:extLst>
+                  <a:ext uri="{FF2B5EF4-FFF2-40B4-BE49-F238E27FC236}">
+                    <a16:creationId xmlns:a16="http://schemas.microsoft.com/office/drawing/2014/main" id="{2D6DE51A-E439-8A43-BFDE-B001ABB6EEF8}"/>
+                  </a:ext>
+                </a:extLst>
+              </p:cNvPr>
+              <p:cNvSpPr txBox="1"/>
+              <p:nvPr/>
+            </p:nvSpPr>
+            <p:spPr>
+              <a:xfrm>
+                <a:off x="7237110" y="4319211"/>
+                <a:ext cx="2590800" cy="238320"/>
+              </a:xfrm>
+              <a:prstGeom prst="rect">
+                <a:avLst/>
+              </a:prstGeom>
+              <a:noFill/>
+              <a:ln w="12700" cap="flat">
+                <a:noFill/>
+                <a:miter lim="400000"/>
+              </a:ln>
+              <a:effectLst/>
+              <a:extLst>
+                <a:ext uri="{C572A759-6A51-4108-AA02-DFA0A04FC94B}">
+                  <ma14:wrappingTextBoxFlag xmlns="" xmlns:m="http://schemas.openxmlformats.org/officeDocument/2006/math" xmlns:a14="http://schemas.microsoft.com/office/drawing/2010/main" xmlns:ma14="http://schemas.microsoft.com/office/mac/drawingml/2011/main" val="1"/>
+                </a:ext>
+              </a:extLst>
+            </p:spPr>
+            <p:txBody>
+              <a:bodyPr wrap="square" lIns="71437" tIns="71437" rIns="71437" bIns="71437" numCol="1" anchor="ctr">
+                <a:spAutoFit/>
+              </a:bodyPr>
+              <a:lstStyle>
+                <a:lvl1pPr algn="l" defTabSz="821531">
+                  <a:defRPr sz="2400" b="0">
+                    <a:solidFill>
+                      <a:srgbClr val="FFFFFF"/>
+                    </a:solidFill>
+                    <a:latin typeface="Helvetica Neue Bold Condensed"/>
+                    <a:ea typeface="Helvetica Neue Bold Condensed"/>
+                    <a:cs typeface="Helvetica Neue Bold Condensed"/>
+                    <a:sym typeface="Helvetica Neue Bold Condensed"/>
+                  </a:defRPr>
+                </a:lvl1pPr>
+              </a:lstStyle>
+              <a:p>
+                <a:r>
+                  <a:rPr kumimoji="0" lang="zh-TW" altLang="en-US" sz="1200" b="0" i="0" u="none" strike="noStrike" cap="none" spc="0" normalizeH="0" baseline="0" dirty="0">
+                    <a:ln>
+                      <a:noFill/>
+                    </a:ln>
+                    <a:solidFill>
+                      <a:schemeClr val="tx1">
+                        <a:alpha val="15000"/>
+                      </a:schemeClr>
+                    </a:solidFill>
+                    <a:effectLst/>
+                    <a:uFillTx/>
+                    <a:latin typeface="Helvetica Neue Bold Condensed"/>
+                    <a:ea typeface="Helvetica Neue Bold Condensed"/>
+                    <a:cs typeface="Helvetica Neue Bold Condensed"/>
+                    <a:sym typeface="Helvetica Neue Bold Condensed"/>
+                  </a:rPr>
+                  <a:t>第</a:t>
+                </a:r>
+                <a:r>
+                  <a:rPr kumimoji="0" lang="en-US" altLang="zh-TW" sz="1200" b="0" i="0" u="none" strike="noStrike" cap="none" spc="0" normalizeH="0" baseline="0" dirty="0">
+                    <a:ln>
+                      <a:noFill/>
+                    </a:ln>
+                    <a:solidFill>
+                      <a:schemeClr val="tx1">
+                        <a:alpha val="15000"/>
+                      </a:schemeClr>
+                    </a:solidFill>
+                    <a:effectLst/>
+                    <a:uFillTx/>
+                    <a:latin typeface="Helvetica Neue Bold Condensed"/>
+                    <a:ea typeface="Helvetica Neue Bold Condensed"/>
+                    <a:cs typeface="Helvetica Neue Bold Condensed"/>
+                    <a:sym typeface="Helvetica Neue Bold Condensed"/>
+                  </a:rPr>
+                  <a:t>13</a:t>
+                </a:r>
+                <a:r>
+                  <a:rPr kumimoji="0" lang="zh-TW" altLang="en-US" sz="1200" b="0" i="0" u="none" strike="noStrike" cap="none" spc="0" normalizeH="0" baseline="0" dirty="0">
+                    <a:ln>
+                      <a:noFill/>
+                    </a:ln>
+                    <a:solidFill>
+                      <a:schemeClr val="tx1">
+                        <a:alpha val="15000"/>
+                      </a:schemeClr>
+                    </a:solidFill>
+                    <a:effectLst/>
+                    <a:uFillTx/>
+                    <a:latin typeface="Helvetica Neue Bold Condensed"/>
+                    <a:ea typeface="Helvetica Neue Bold Condensed"/>
+                    <a:cs typeface="Helvetica Neue Bold Condensed"/>
+                    <a:sym typeface="Helvetica Neue Bold Condensed"/>
+                  </a:rPr>
+                  <a:t>屆 </a:t>
+                </a:r>
+                <a:r>
+                  <a:rPr kumimoji="0" lang="en-US" sz="1600" b="0" i="0" u="none" strike="noStrike" cap="none" spc="0" normalizeH="0" baseline="0" dirty="0">
+                    <a:ln>
+                      <a:noFill/>
+                    </a:ln>
+                    <a:solidFill>
+                      <a:schemeClr val="tx1">
+                        <a:alpha val="15000"/>
+                      </a:schemeClr>
+                    </a:solidFill>
+                    <a:effectLst/>
+                    <a:uFillTx/>
+                    <a:latin typeface="Helvetica Neue Bold Condensed"/>
+                    <a:ea typeface="Helvetica Neue Bold Condensed"/>
+                    <a:cs typeface="Helvetica Neue Bold Condensed"/>
+                    <a:sym typeface="Helvetica Neue Bold Condensed"/>
+                  </a:rPr>
+                  <a:t>iT</a:t>
+                </a:r>
+                <a:r>
+                  <a:rPr kumimoji="0" lang="zh-TW" altLang="en-US" sz="1400" b="0" i="0" u="none" strike="noStrike" cap="none" spc="0" normalizeH="0" baseline="0" dirty="0">
+                    <a:ln>
+                      <a:noFill/>
+                    </a:ln>
+                    <a:solidFill>
+                      <a:schemeClr val="tx1">
+                        <a:alpha val="15000"/>
+                      </a:schemeClr>
+                    </a:solidFill>
+                    <a:effectLst/>
+                    <a:uFillTx/>
+                    <a:latin typeface="Helvetica Neue Bold Condensed"/>
+                    <a:ea typeface="Helvetica Neue Bold Condensed"/>
+                    <a:cs typeface="Helvetica Neue Bold Condensed"/>
+                    <a:sym typeface="Helvetica Neue Bold Condensed"/>
+                  </a:rPr>
+                  <a:t>邦</a:t>
+                </a:r>
+                <a:r>
+                  <a:rPr kumimoji="0" lang="zh-TW" altLang="en-US" sz="1100" b="0" i="0" u="none" strike="noStrike" cap="none" spc="0" normalizeH="0" baseline="0" dirty="0">
+                    <a:ln>
+                      <a:noFill/>
+                    </a:ln>
+                    <a:solidFill>
+                      <a:schemeClr val="tx1">
+                        <a:alpha val="15000"/>
+                      </a:schemeClr>
+                    </a:solidFill>
+                    <a:effectLst/>
+                    <a:uFillTx/>
+                    <a:latin typeface="Helvetica Neue Bold Condensed"/>
+                    <a:ea typeface="Helvetica Neue Bold Condensed"/>
+                    <a:cs typeface="Helvetica Neue Bold Condensed"/>
+                    <a:sym typeface="Helvetica Neue Bold Condensed"/>
+                  </a:rPr>
+                  <a:t>幫忙</a:t>
+                </a:r>
+                <a:r>
+                  <a:rPr kumimoji="0" lang="zh-TW" altLang="en-US" sz="1400" b="0" i="0" u="none" strike="noStrike" cap="none" spc="0" normalizeH="0" baseline="0" dirty="0">
+                    <a:ln>
+                      <a:noFill/>
+                    </a:ln>
+                    <a:solidFill>
+                      <a:schemeClr val="tx1">
+                        <a:alpha val="15000"/>
+                      </a:schemeClr>
+                    </a:solidFill>
+                    <a:effectLst/>
+                    <a:uFillTx/>
+                    <a:sym typeface="Helvetica Neue Bold Condensed"/>
+                  </a:rPr>
+                  <a:t> 鐵人賽</a:t>
+                </a:r>
+                <a:endParaRPr sz="1400" dirty="0">
+                  <a:solidFill>
+                    <a:schemeClr val="tx1">
+                      <a:alpha val="15000"/>
+                    </a:schemeClr>
+                  </a:solidFill>
+                </a:endParaRPr>
+              </a:p>
+            </p:txBody>
+          </p:sp>
+          <p:sp>
+            <p:nvSpPr>
+              <p:cNvPr id="13" name="Intelligent Information Retrieval Laboratory">
+                <a:extLst>
+                  <a:ext uri="{FF2B5EF4-FFF2-40B4-BE49-F238E27FC236}">
+                    <a16:creationId xmlns:a16="http://schemas.microsoft.com/office/drawing/2014/main" id="{FEBEF347-586B-AD42-80FA-9B386BDA378F}"/>
+                  </a:ext>
+                </a:extLst>
+              </p:cNvPr>
+              <p:cNvSpPr txBox="1"/>
+              <p:nvPr/>
+            </p:nvSpPr>
+            <p:spPr>
+              <a:xfrm>
+                <a:off x="8753784" y="4345689"/>
+                <a:ext cx="1219200" cy="200752"/>
+              </a:xfrm>
+              <a:prstGeom prst="rect">
+                <a:avLst/>
+              </a:prstGeom>
+              <a:noFill/>
+              <a:ln w="12700" cap="flat">
+                <a:noFill/>
+                <a:miter lim="400000"/>
+              </a:ln>
+              <a:effectLst/>
+              <a:extLst>
+                <a:ext uri="{C572A759-6A51-4108-AA02-DFA0A04FC94B}">
+                  <ma14:wrappingTextBoxFlag xmlns="" xmlns:m="http://schemas.openxmlformats.org/officeDocument/2006/math" xmlns:a14="http://schemas.microsoft.com/office/drawing/2010/main" xmlns:ma14="http://schemas.microsoft.com/office/mac/drawingml/2011/main" val="1"/>
+                </a:ext>
+              </a:extLst>
+            </p:spPr>
+            <p:txBody>
+              <a:bodyPr wrap="square" lIns="71437" tIns="71437" rIns="71437" bIns="71437" numCol="1" anchor="ctr">
+                <a:spAutoFit/>
+              </a:bodyPr>
+              <a:lstStyle>
+                <a:lvl1pPr algn="l" defTabSz="821531">
+                  <a:defRPr sz="2400" b="0">
+                    <a:solidFill>
+                      <a:srgbClr val="FFFFFF"/>
+                    </a:solidFill>
+                    <a:latin typeface="Helvetica Neue Bold Condensed"/>
+                    <a:ea typeface="Helvetica Neue Bold Condensed"/>
+                    <a:cs typeface="Helvetica Neue Bold Condensed"/>
+                    <a:sym typeface="Helvetica Neue Bold Condensed"/>
+                  </a:defRPr>
+                </a:lvl1pPr>
+              </a:lstStyle>
+              <a:p>
+                <a:r>
+                  <a:rPr kumimoji="0" lang="en-US" altLang="zh-TW" sz="1200" b="0" i="0" u="none" strike="noStrike" cap="none" spc="0" normalizeH="0" baseline="0" dirty="0">
+                    <a:ln>
+                      <a:noFill/>
+                    </a:ln>
+                    <a:solidFill>
+                      <a:schemeClr val="tx1">
+                        <a:alpha val="15000"/>
+                      </a:schemeClr>
+                    </a:solidFill>
+                    <a:effectLst/>
+                    <a:uFillTx/>
+                    <a:latin typeface="Helvetica Neue Bold Condensed"/>
+                    <a:ea typeface="Helvetica Neue Bold Condensed"/>
+                    <a:cs typeface="Helvetica Neue Bold Condensed"/>
+                    <a:sym typeface="Helvetica Neue Bold Condensed"/>
+                  </a:rPr>
+                  <a:t>AI &amp; Data </a:t>
+                </a:r>
+                <a:r>
+                  <a:rPr kumimoji="0" lang="zh-TW" altLang="en-US" sz="1200" b="0" i="0" u="none" strike="noStrike" cap="none" spc="0" normalizeH="0" baseline="0" dirty="0">
+                    <a:ln>
+                      <a:noFill/>
+                    </a:ln>
+                    <a:solidFill>
+                      <a:schemeClr val="tx1">
+                        <a:alpha val="15000"/>
+                      </a:schemeClr>
+                    </a:solidFill>
+                    <a:effectLst/>
+                    <a:uFillTx/>
+                    <a:latin typeface="Helvetica Neue Bold Condensed"/>
+                    <a:ea typeface="Helvetica Neue Bold Condensed"/>
+                    <a:cs typeface="Helvetica Neue Bold Condensed"/>
+                    <a:sym typeface="Helvetica Neue Bold Condensed"/>
+                  </a:rPr>
+                  <a:t>組</a:t>
+                </a:r>
+                <a:endParaRPr sz="1400" dirty="0">
+                  <a:solidFill>
+                    <a:schemeClr val="tx1">
+                      <a:alpha val="15000"/>
+                    </a:schemeClr>
+                  </a:solidFill>
+                </a:endParaRPr>
+              </a:p>
+            </p:txBody>
+          </p:sp>
+        </p:grpSp>
+        <p:grpSp>
+          <p:nvGrpSpPr>
+            <p:cNvPr id="8" name="Group 7">
+              <a:extLst>
+                <a:ext uri="{FF2B5EF4-FFF2-40B4-BE49-F238E27FC236}">
+                  <a16:creationId xmlns:a16="http://schemas.microsoft.com/office/drawing/2014/main" id="{B55C3E25-B1B6-FE42-8F68-D792474B03F5}"/>
+                </a:ext>
+              </a:extLst>
+            </p:cNvPr>
+            <p:cNvGrpSpPr/>
+            <p:nvPr/>
+          </p:nvGrpSpPr>
+          <p:grpSpPr>
+            <a:xfrm>
+              <a:off x="7247835" y="3971848"/>
+              <a:ext cx="1876735" cy="1050587"/>
+              <a:chOff x="3891792" y="3940042"/>
+              <a:chExt cx="1876735" cy="1050587"/>
+            </a:xfrm>
+          </p:grpSpPr>
+          <p:pic>
+            <p:nvPicPr>
+              <p:cNvPr id="9" name="Picture 8">
+                <a:extLst>
+                  <a:ext uri="{FF2B5EF4-FFF2-40B4-BE49-F238E27FC236}">
+                    <a16:creationId xmlns:a16="http://schemas.microsoft.com/office/drawing/2014/main" id="{CFA58D2C-2D78-0749-927D-5826F7F6B911}"/>
+                  </a:ext>
+                </a:extLst>
+              </p:cNvPr>
+              <p:cNvPicPr>
+                <a:picLocks noChangeAspect="1" noChangeArrowheads="1"/>
+              </p:cNvPicPr>
+              <p:nvPr/>
+            </p:nvPicPr>
+            <p:blipFill>
+              <a:blip r:embed="rId4">
+                <a:duotone>
+                  <a:prstClr val="black"/>
+                  <a:schemeClr val="tx1">
+                    <a:tint val="45000"/>
+                    <a:satMod val="400000"/>
+                  </a:schemeClr>
+                </a:duotone>
+                <a:alphaModFix amt="20000"/>
+              </a:blip>
+              <a:srcRect/>
+              <a:stretch/>
+            </p:blipFill>
+            <p:spPr bwMode="auto">
+              <a:xfrm>
+                <a:off x="4489805" y="3940042"/>
+                <a:ext cx="1050587" cy="1050587"/>
+              </a:xfrm>
+              <a:prstGeom prst="rect">
+                <a:avLst/>
+              </a:prstGeom>
+              <a:noFill/>
+              <a:extLst>
+                <a:ext uri="{909E8E84-426E-40DD-AFC4-6F175D3DCCD1}">
+                  <a14:hiddenFill xmlns:a14="http://schemas.microsoft.com/office/drawing/2010/main">
+                    <a:solidFill>
+                      <a:srgbClr val="FFFFFF"/>
+                    </a:solidFill>
+                  </a14:hiddenFill>
+                </a:ext>
+              </a:extLst>
+            </p:spPr>
+          </p:pic>
+          <p:pic>
+            <p:nvPicPr>
+              <p:cNvPr id="10" name="Picture 4" descr="Youtube logo | Logok">
+                <a:extLst>
+                  <a:ext uri="{FF2B5EF4-FFF2-40B4-BE49-F238E27FC236}">
+                    <a16:creationId xmlns:a16="http://schemas.microsoft.com/office/drawing/2014/main" id="{E439F5A8-016F-E545-A14D-CF3826551861}"/>
+                  </a:ext>
+                </a:extLst>
+              </p:cNvPr>
+              <p:cNvPicPr>
+                <a:picLocks noChangeAspect="1" noChangeArrowheads="1"/>
+              </p:cNvPicPr>
+              <p:nvPr/>
+            </p:nvPicPr>
+            <p:blipFill>
+              <a:blip r:embed="rId5">
+                <a:alphaModFix amt="20000"/>
+                <a:extLst>
+                  <a:ext uri="{28A0092B-C50C-407E-A947-70E740481C1C}">
+                    <a14:useLocalDpi xmlns:a14="http://schemas.microsoft.com/office/drawing/2010/main" val="0"/>
+                  </a:ext>
+                </a:extLst>
+              </a:blip>
+              <a:srcRect/>
+              <a:stretch>
+                <a:fillRect/>
+              </a:stretch>
+            </p:blipFill>
+            <p:spPr bwMode="auto">
+              <a:xfrm>
+                <a:off x="3891792" y="4187926"/>
+                <a:ext cx="739756" cy="554817"/>
+              </a:xfrm>
+              <a:prstGeom prst="rect">
+                <a:avLst/>
+              </a:prstGeom>
+              <a:noFill/>
+              <a:extLst>
+                <a:ext uri="{909E8E84-426E-40DD-AFC4-6F175D3DCCD1}">
+                  <a14:hiddenFill xmlns:a14="http://schemas.microsoft.com/office/drawing/2010/main">
+                    <a:solidFill>
+                      <a:srgbClr val="FFFFFF"/>
+                    </a:solidFill>
+                  </a14:hiddenFill>
+                </a:ext>
+              </a:extLst>
+            </p:spPr>
+          </p:pic>
+          <p:sp>
+            <p:nvSpPr>
+              <p:cNvPr id="11" name="Intelligent Information Retrieval Laboratory">
+                <a:extLst>
+                  <a:ext uri="{FF2B5EF4-FFF2-40B4-BE49-F238E27FC236}">
+                    <a16:creationId xmlns:a16="http://schemas.microsoft.com/office/drawing/2014/main" id="{126631C6-D5C2-404F-AE14-10E30CE70D70}"/>
+                  </a:ext>
+                </a:extLst>
+              </p:cNvPr>
+              <p:cNvSpPr txBox="1"/>
+              <p:nvPr/>
+            </p:nvSpPr>
+            <p:spPr>
+              <a:xfrm>
+                <a:off x="4549327" y="4353909"/>
+                <a:ext cx="1219200" cy="238320"/>
+              </a:xfrm>
+              <a:prstGeom prst="rect">
+                <a:avLst/>
+              </a:prstGeom>
+              <a:noFill/>
+              <a:ln w="12700" cap="flat">
+                <a:noFill/>
+                <a:miter lim="400000"/>
+              </a:ln>
+              <a:effectLst/>
+              <a:extLst>
+                <a:ext uri="{C572A759-6A51-4108-AA02-DFA0A04FC94B}">
+                  <ma14:wrappingTextBoxFlag xmlns="" xmlns:m="http://schemas.openxmlformats.org/officeDocument/2006/math" xmlns:a14="http://schemas.microsoft.com/office/drawing/2010/main" xmlns:ma14="http://schemas.microsoft.com/office/mac/drawingml/2011/main" val="1"/>
+                </a:ext>
+              </a:extLst>
+            </p:spPr>
+            <p:txBody>
+              <a:bodyPr wrap="square" lIns="71437" tIns="71437" rIns="71437" bIns="71437" numCol="1" anchor="ctr">
+                <a:spAutoFit/>
+              </a:bodyPr>
+              <a:lstStyle>
+                <a:lvl1pPr algn="l" defTabSz="821531">
+                  <a:defRPr sz="2400" b="0">
+                    <a:solidFill>
+                      <a:srgbClr val="FFFFFF"/>
+                    </a:solidFill>
+                    <a:latin typeface="Helvetica Neue Bold Condensed"/>
+                    <a:ea typeface="Helvetica Neue Bold Condensed"/>
+                    <a:cs typeface="Helvetica Neue Bold Condensed"/>
+                    <a:sym typeface="Helvetica Neue Bold Condensed"/>
+                  </a:defRPr>
+                </a:lvl1pPr>
+              </a:lstStyle>
+              <a:p>
+                <a:r>
+                  <a:rPr kumimoji="0" lang="en-US" altLang="zh-TW" sz="1600" b="0" i="0" u="none" strike="noStrike" cap="none" spc="0" normalizeH="0" baseline="0" dirty="0">
+                    <a:ln>
+                      <a:noFill/>
+                    </a:ln>
+                    <a:solidFill>
+                      <a:schemeClr val="tx1">
+                        <a:alpha val="15000"/>
+                      </a:schemeClr>
+                    </a:solidFill>
+                    <a:effectLst/>
+                    <a:uFillTx/>
+                    <a:sym typeface="Helvetica Neue Bold Condensed"/>
+                  </a:rPr>
+                  <a:t>10</a:t>
+                </a:r>
+                <a:r>
+                  <a:rPr kumimoji="0" lang="zh-TW" altLang="en-US" sz="1600" b="0" i="0" u="none" strike="noStrike" cap="none" spc="0" normalizeH="0" baseline="0" dirty="0">
+                    <a:ln>
+                      <a:noFill/>
+                    </a:ln>
+                    <a:solidFill>
+                      <a:schemeClr val="tx1">
+                        <a:alpha val="15000"/>
+                      </a:schemeClr>
+                    </a:solidFill>
+                    <a:effectLst/>
+                    <a:uFillTx/>
+                    <a:sym typeface="Helvetica Neue Bold Condensed"/>
+                  </a:rPr>
+                  <a:t>程式中</a:t>
+                </a:r>
+                <a:endParaRPr sz="1800" dirty="0">
+                  <a:solidFill>
+                    <a:schemeClr val="tx1">
+                      <a:alpha val="15000"/>
+                    </a:schemeClr>
+                  </a:solidFill>
+                </a:endParaRPr>
+              </a:p>
+            </p:txBody>
+          </p:sp>
+        </p:grpSp>
+      </p:grpSp>
     </p:spTree>
     <p:extLst>
       <p:ext uri="{BB962C8B-B14F-4D97-AF65-F5344CB8AC3E}">
